--- a/Homomorphic_Encryption/11.4~12.1/科技论文写作 .pptx
+++ b/Homomorphic_Encryption/11.4~12.1/科技论文写作 .pptx
@@ -549,6 +549,193 @@
             <a:fld id="{866E2309-0A18-4646-8677-733D84D5DAD4}" type="slidenum">
               <a:rPr lang="zh-CN" altLang="en-US" smtClean="0"/>
             </a:fld>
+            <a:endParaRPr lang="zh-CN" altLang="en-US"/>
+          </a:p>
+        </p:txBody>
+      </p:sp>
+    </p:spTree>
+  </p:cSld>
+  <p:clrMapOvr>
+    <a:masterClrMapping/>
+  </p:clrMapOvr>
+</p:notes>
+</file>
+
+<file path=ppt/notesSlides/notesSlide2.xml><?xml version="1.0" encoding="utf-8"?>
+<p:notes xmlns:a="http://schemas.openxmlformats.org/drawingml/2006/main" xmlns:r="http://schemas.openxmlformats.org/officeDocument/2006/relationships" xmlns:p="http://schemas.openxmlformats.org/presentationml/2006/main">
+  <p:cSld>
+    <p:spTree>
+      <p:nvGrpSpPr>
+        <p:cNvPr id="1" name=""/>
+        <p:cNvGrpSpPr/>
+        <p:nvPr/>
+      </p:nvGrpSpPr>
+      <p:grpSpPr/>
+      <p:sp>
+        <p:nvSpPr>
+          <p:cNvPr id="2" name="幻灯片图像占位符 1"/>
+          <p:cNvSpPr>
+            <a:spLocks noGrp="1"/>
+          </p:cNvSpPr>
+          <p:nvPr>
+            <p:ph type="sldImg" idx="2"/>
+          </p:nvPr>
+        </p:nvSpPr>
+        <p:spPr/>
+      </p:sp>
+      <p:sp>
+        <p:nvSpPr>
+          <p:cNvPr id="3" name="文本占位符 2"/>
+          <p:cNvSpPr>
+            <a:spLocks noGrp="1"/>
+          </p:cNvSpPr>
+          <p:nvPr>
+            <p:ph type="body" idx="3"/>
+          </p:nvPr>
+        </p:nvSpPr>
+        <p:spPr/>
+        <p:txBody>
+          <a:bodyPr/>
+          <a:p>
+            <a:r>
+              <a:rPr lang="zh-CN" altLang="en-US"/>
+              <a:t>这只是这个方案的冰山一角</a:t>
+            </a:r>
+            <a:r>
+              <a:rPr lang="en-US" altLang="zh-CN"/>
+              <a:t> </a:t>
+            </a:r>
+            <a:r>
+              <a:rPr lang="zh-CN" altLang="en-US"/>
+              <a:t>这个单钥方案改成非对称方案是容易的，实现</a:t>
+            </a:r>
+            <a:r>
+              <a:rPr lang="en-US" altLang="zh-CN"/>
+              <a:t>SFHE </a:t>
+            </a:r>
+            <a:r>
+              <a:rPr lang="zh-CN" altLang="en-US"/>
+              <a:t>但是实现真正的全同态和自举是困难的</a:t>
+            </a:r>
+            <a:r>
+              <a:rPr lang="en-US" altLang="zh-CN"/>
+              <a:t>  (</a:t>
+            </a:r>
+            <a:r>
+              <a:rPr lang="zh-CN" altLang="en-US"/>
+              <a:t>从论文结构角度来分析</a:t>
+            </a:r>
+            <a:r>
+              <a:rPr lang="en-US" altLang="zh-CN"/>
+              <a:t>) </a:t>
+            </a:r>
+            <a:r>
+              <a:rPr lang="zh-CN" altLang="en-US"/>
+              <a:t>从整个全同态的发展来看</a:t>
+            </a:r>
+            <a:r>
+              <a:rPr lang="en-US" altLang="zh-CN"/>
+              <a:t> </a:t>
+            </a:r>
+            <a:r>
+              <a:rPr lang="zh-CN" altLang="en-US"/>
+              <a:t>这个方案有点</a:t>
+            </a:r>
+            <a:r>
+              <a:rPr lang="en-US" altLang="zh-CN"/>
+              <a:t>trival </a:t>
+            </a:r>
+            <a:r>
+              <a:rPr lang="zh-CN" altLang="en-US"/>
+              <a:t>为了实现同态所采用的压缩电路的方法</a:t>
+            </a:r>
+            <a:r>
+              <a:rPr lang="en-US" altLang="zh-CN"/>
+              <a:t> </a:t>
+            </a:r>
+            <a:r>
+              <a:rPr lang="zh-CN" altLang="en-US"/>
+              <a:t>基于非常强的困难假设</a:t>
+            </a:r>
+            <a:r>
+              <a:rPr lang="en-US" altLang="zh-CN"/>
+              <a:t> </a:t>
+            </a:r>
+            <a:r>
+              <a:rPr lang="zh-CN" altLang="en-US"/>
+              <a:t>格上稀疏子集问题</a:t>
+            </a:r>
+            <a:r>
+              <a:rPr lang="en-US" altLang="zh-CN"/>
+              <a:t> </a:t>
+            </a:r>
+            <a:r>
+              <a:rPr lang="zh-CN" altLang="en-US"/>
+              <a:t>这个问题还有待学术界的考究</a:t>
+            </a:r>
+            <a:r>
+              <a:rPr lang="en-US" altLang="zh-CN"/>
+              <a:t> </a:t>
+            </a:r>
+            <a:r>
+              <a:rPr lang="zh-CN" altLang="en-US"/>
+              <a:t>所以在此我不进行更深入的</a:t>
+            </a:r>
+            <a:r>
+              <a:rPr lang="zh-CN" altLang="en-US"/>
+              <a:t>介绍了</a:t>
+            </a:r>
+            <a:endParaRPr lang="zh-CN" altLang="en-US"/>
+          </a:p>
+          <a:p>
+            <a:endParaRPr lang="zh-CN" altLang="en-US"/>
+          </a:p>
+        </p:txBody>
+      </p:sp>
+    </p:spTree>
+  </p:cSld>
+  <p:clrMapOvr>
+    <a:masterClrMapping/>
+  </p:clrMapOvr>
+</p:notes>
+</file>
+
+<file path=ppt/notesSlides/notesSlide3.xml><?xml version="1.0" encoding="utf-8"?>
+<p:notes xmlns:a="http://schemas.openxmlformats.org/drawingml/2006/main" xmlns:r="http://schemas.openxmlformats.org/officeDocument/2006/relationships" xmlns:p="http://schemas.openxmlformats.org/presentationml/2006/main">
+  <p:cSld>
+    <p:spTree>
+      <p:nvGrpSpPr>
+        <p:cNvPr id="1" name=""/>
+        <p:cNvGrpSpPr/>
+        <p:nvPr/>
+      </p:nvGrpSpPr>
+      <p:grpSpPr/>
+      <p:sp>
+        <p:nvSpPr>
+          <p:cNvPr id="2" name="幻灯片图像占位符 1"/>
+          <p:cNvSpPr>
+            <a:spLocks noGrp="1"/>
+          </p:cNvSpPr>
+          <p:nvPr>
+            <p:ph type="sldImg" idx="2"/>
+          </p:nvPr>
+        </p:nvSpPr>
+        <p:spPr/>
+      </p:sp>
+      <p:sp>
+        <p:nvSpPr>
+          <p:cNvPr id="3" name="文本占位符 2"/>
+          <p:cNvSpPr>
+            <a:spLocks noGrp="1"/>
+          </p:cNvSpPr>
+          <p:nvPr>
+            <p:ph type="body" idx="3"/>
+          </p:nvPr>
+        </p:nvSpPr>
+        <p:spPr/>
+        <p:txBody>
+          <a:bodyPr/>
+          <a:p>
             <a:endParaRPr lang="zh-CN" altLang="en-US"/>
           </a:p>
         </p:txBody>
@@ -6318,6 +6505,110 @@
           </a:prstGeom>
         </p:spPr>
       </p:pic>
+      <p:sp>
+        <p:nvSpPr>
+          <p:cNvPr id="3" name="文本框 2"/>
+          <p:cNvSpPr txBox="1"/>
+          <p:nvPr/>
+        </p:nvSpPr>
+        <p:spPr>
+          <a:xfrm>
+            <a:off x="505326" y="1052763"/>
+            <a:ext cx="1431758" cy="368300"/>
+          </a:xfrm>
+          <a:prstGeom prst="rect">
+            <a:avLst/>
+          </a:prstGeom>
+          <a:noFill/>
+        </p:spPr>
+        <p:txBody>
+          <a:bodyPr wrap="square" rtlCol="0">
+            <a:spAutoFit/>
+          </a:bodyPr>
+          <a:p>
+            <a:r>
+              <a:rPr lang="en-US" altLang="zh-CN" b="1" dirty="0">
+                <a:latin typeface="Times New Roman" panose="02020603050405020304" pitchFamily="18" charset="0"/>
+                <a:cs typeface="Times New Roman" panose="02020603050405020304" pitchFamily="18" charset="0"/>
+              </a:rPr>
+              <a:t>BGV12</a:t>
+            </a:r>
+            <a:endParaRPr lang="zh-CN" altLang="en-US" b="1" dirty="0">
+              <a:latin typeface="Times New Roman" panose="02020603050405020304" pitchFamily="18" charset="0"/>
+              <a:cs typeface="Times New Roman" panose="02020603050405020304" pitchFamily="18" charset="0"/>
+            </a:endParaRPr>
+          </a:p>
+        </p:txBody>
+      </p:sp>
+      <p:sp>
+        <p:nvSpPr>
+          <p:cNvPr id="8" name="文本框 7"/>
+          <p:cNvSpPr txBox="1"/>
+          <p:nvPr/>
+        </p:nvSpPr>
+        <p:spPr>
+          <a:xfrm>
+            <a:off x="822960" y="1564005"/>
+            <a:ext cx="3437255" cy="368300"/>
+          </a:xfrm>
+          <a:prstGeom prst="rect">
+            <a:avLst/>
+          </a:prstGeom>
+          <a:noFill/>
+        </p:spPr>
+        <p:txBody>
+          <a:bodyPr wrap="square" rtlCol="0">
+            <a:spAutoFit/>
+          </a:bodyPr>
+          <a:p>
+            <a:r>
+              <a:rPr lang="zh-CN" altLang="en-US" dirty="0">
+                <a:latin typeface="宋体" panose="02010600030101010101" pitchFamily="2" charset="-122"/>
+                <a:ea typeface="宋体" panose="02010600030101010101" pitchFamily="2" charset="-122"/>
+                <a:cs typeface="宋体" panose="02010600030101010101" pitchFamily="2" charset="-122"/>
+              </a:rPr>
+              <a:t>基本</a:t>
+            </a:r>
+            <a:r>
+              <a:rPr lang="zh-CN" altLang="en-US" dirty="0">
+                <a:latin typeface="宋体" panose="02010600030101010101" pitchFamily="2" charset="-122"/>
+                <a:ea typeface="宋体" panose="02010600030101010101" pitchFamily="2" charset="-122"/>
+                <a:cs typeface="宋体" panose="02010600030101010101" pitchFamily="2" charset="-122"/>
+              </a:rPr>
+              <a:t>加密方案：</a:t>
+            </a:r>
+            <a:endParaRPr lang="zh-CN" altLang="en-US" dirty="0">
+              <a:latin typeface="宋体" panose="02010600030101010101" pitchFamily="2" charset="-122"/>
+              <a:ea typeface="宋体" panose="02010600030101010101" pitchFamily="2" charset="-122"/>
+              <a:cs typeface="宋体" panose="02010600030101010101" pitchFamily="2" charset="-122"/>
+            </a:endParaRPr>
+          </a:p>
+        </p:txBody>
+      </p:sp>
+      <p:pic>
+        <p:nvPicPr>
+          <p:cNvPr id="4" name="图片 3"/>
+          <p:cNvPicPr>
+            <a:picLocks noChangeAspect="1"/>
+          </p:cNvPicPr>
+          <p:nvPr/>
+        </p:nvPicPr>
+        <p:blipFill>
+          <a:blip r:embed="rId2"/>
+          <a:stretch>
+            <a:fillRect/>
+          </a:stretch>
+        </p:blipFill>
+        <p:spPr>
+          <a:xfrm>
+            <a:off x="1353185" y="1910715"/>
+            <a:ext cx="9484995" cy="4843780"/>
+          </a:xfrm>
+          <a:prstGeom prst="rect">
+            <a:avLst/>
+          </a:prstGeom>
+        </p:spPr>
+      </p:pic>
     </p:spTree>
   </p:cSld>
   <p:clrMapOvr>
@@ -6373,6 +6664,239 @@
           </a:prstGeom>
         </p:spPr>
       </p:pic>
+      <p:sp>
+        <p:nvSpPr>
+          <p:cNvPr id="3" name="文本框 2"/>
+          <p:cNvSpPr txBox="1"/>
+          <p:nvPr/>
+        </p:nvSpPr>
+        <p:spPr>
+          <a:xfrm>
+            <a:off x="505326" y="1052763"/>
+            <a:ext cx="1431758" cy="368300"/>
+          </a:xfrm>
+          <a:prstGeom prst="rect">
+            <a:avLst/>
+          </a:prstGeom>
+          <a:noFill/>
+        </p:spPr>
+        <p:txBody>
+          <a:bodyPr wrap="square" rtlCol="0">
+            <a:spAutoFit/>
+          </a:bodyPr>
+          <a:p>
+            <a:r>
+              <a:rPr lang="en-US" altLang="zh-CN" b="1" dirty="0">
+                <a:latin typeface="Times New Roman" panose="02020603050405020304" pitchFamily="18" charset="0"/>
+                <a:cs typeface="Times New Roman" panose="02020603050405020304" pitchFamily="18" charset="0"/>
+              </a:rPr>
+              <a:t>BGV12</a:t>
+            </a:r>
+            <a:endParaRPr lang="zh-CN" altLang="en-US" b="1" dirty="0">
+              <a:latin typeface="Times New Roman" panose="02020603050405020304" pitchFamily="18" charset="0"/>
+              <a:cs typeface="Times New Roman" panose="02020603050405020304" pitchFamily="18" charset="0"/>
+            </a:endParaRPr>
+          </a:p>
+        </p:txBody>
+      </p:sp>
+      <p:sp>
+        <p:nvSpPr>
+          <p:cNvPr id="2" name="文本框 1"/>
+          <p:cNvSpPr txBox="1"/>
+          <p:nvPr/>
+        </p:nvSpPr>
+        <p:spPr>
+          <a:xfrm>
+            <a:off x="1717675" y="1776095"/>
+            <a:ext cx="3437255" cy="368300"/>
+          </a:xfrm>
+          <a:prstGeom prst="rect">
+            <a:avLst/>
+          </a:prstGeom>
+          <a:noFill/>
+        </p:spPr>
+        <p:txBody>
+          <a:bodyPr wrap="square" rtlCol="0">
+            <a:spAutoFit/>
+          </a:bodyPr>
+          <a:p>
+            <a:r>
+              <a:rPr lang="en-US" altLang="zh-CN" b="1" dirty="0">
+                <a:latin typeface="Times New Roman" panose="02020603050405020304" pitchFamily="18" charset="0"/>
+                <a:cs typeface="Times New Roman" panose="02020603050405020304" pitchFamily="18" charset="0"/>
+              </a:rPr>
+              <a:t>Key Switching</a:t>
+            </a:r>
+            <a:r>
+              <a:rPr lang="zh-CN" altLang="en-US" b="1" dirty="0">
+                <a:latin typeface="Times New Roman" panose="02020603050405020304" pitchFamily="18" charset="0"/>
+                <a:cs typeface="Times New Roman" panose="02020603050405020304" pitchFamily="18" charset="0"/>
+              </a:rPr>
+              <a:t>（</a:t>
+            </a:r>
+            <a:r>
+              <a:rPr lang="zh-CN" altLang="en-US" b="1" dirty="0">
+                <a:latin typeface="Times New Roman" panose="02020603050405020304" pitchFamily="18" charset="0"/>
+                <a:cs typeface="Times New Roman" panose="02020603050405020304" pitchFamily="18" charset="0"/>
+              </a:rPr>
+              <a:t>密钥交换）</a:t>
+            </a:r>
+            <a:endParaRPr lang="en-US" altLang="zh-CN" b="1" dirty="0">
+              <a:latin typeface="Times New Roman" panose="02020603050405020304" pitchFamily="18" charset="0"/>
+              <a:cs typeface="Times New Roman" panose="02020603050405020304" pitchFamily="18" charset="0"/>
+            </a:endParaRPr>
+          </a:p>
+        </p:txBody>
+      </p:sp>
+      <p:sp>
+        <p:nvSpPr>
+          <p:cNvPr id="4" name="文本框 3"/>
+          <p:cNvSpPr txBox="1"/>
+          <p:nvPr/>
+        </p:nvSpPr>
+        <p:spPr>
+          <a:xfrm>
+            <a:off x="7617460" y="1776095"/>
+            <a:ext cx="3437255" cy="368300"/>
+          </a:xfrm>
+          <a:prstGeom prst="rect">
+            <a:avLst/>
+          </a:prstGeom>
+          <a:noFill/>
+        </p:spPr>
+        <p:txBody>
+          <a:bodyPr wrap="square" rtlCol="0">
+            <a:spAutoFit/>
+          </a:bodyPr>
+          <a:p>
+            <a:r>
+              <a:rPr lang="en-US" altLang="zh-CN" b="1" dirty="0">
+                <a:latin typeface="Times New Roman" panose="02020603050405020304" pitchFamily="18" charset="0"/>
+                <a:cs typeface="Times New Roman" panose="02020603050405020304" pitchFamily="18" charset="0"/>
+              </a:rPr>
+              <a:t>Modulus Switching</a:t>
+            </a:r>
+            <a:r>
+              <a:rPr lang="zh-CN" altLang="en-US" b="1" dirty="0">
+                <a:latin typeface="Times New Roman" panose="02020603050405020304" pitchFamily="18" charset="0"/>
+                <a:cs typeface="Times New Roman" panose="02020603050405020304" pitchFamily="18" charset="0"/>
+              </a:rPr>
+              <a:t>（模数</a:t>
+            </a:r>
+            <a:r>
+              <a:rPr lang="en-US" altLang="zh-CN" b="1" dirty="0">
+                <a:latin typeface="Times New Roman" panose="02020603050405020304" pitchFamily="18" charset="0"/>
+                <a:cs typeface="Times New Roman" panose="02020603050405020304" pitchFamily="18" charset="0"/>
+              </a:rPr>
+              <a:t> </a:t>
+            </a:r>
+            <a:r>
+              <a:rPr lang="zh-CN" altLang="en-US" b="1" dirty="0">
+                <a:latin typeface="Times New Roman" panose="02020603050405020304" pitchFamily="18" charset="0"/>
+                <a:cs typeface="Times New Roman" panose="02020603050405020304" pitchFamily="18" charset="0"/>
+              </a:rPr>
+              <a:t>交换）</a:t>
+            </a:r>
+            <a:endParaRPr lang="en-US" altLang="zh-CN" b="1" dirty="0">
+              <a:latin typeface="Times New Roman" panose="02020603050405020304" pitchFamily="18" charset="0"/>
+              <a:cs typeface="Times New Roman" panose="02020603050405020304" pitchFamily="18" charset="0"/>
+            </a:endParaRPr>
+          </a:p>
+        </p:txBody>
+      </p:sp>
+      <p:sp>
+        <p:nvSpPr>
+          <p:cNvPr id="5" name="矩形 4"/>
+          <p:cNvSpPr/>
+          <p:nvPr/>
+        </p:nvSpPr>
+        <p:spPr>
+          <a:xfrm>
+            <a:off x="414655" y="1514475"/>
+            <a:ext cx="5895340" cy="4922520"/>
+          </a:xfrm>
+          <a:prstGeom prst="rect">
+            <a:avLst/>
+          </a:prstGeom>
+          <a:noFill/>
+          <a:ln w="12700">
+            <a:prstDash val="dash"/>
+          </a:ln>
+          <a:extLst>
+            <a:ext uri="{909E8E84-426E-40DD-AFC4-6F175D3DCCD1}">
+              <a14:hiddenFill xmlns:a14="http://schemas.microsoft.com/office/drawing/2010/main">
+                <a:solidFill>
+                  <a:schemeClr val="accent1"/>
+                </a:solidFill>
+              </a14:hiddenFill>
+            </a:ext>
+          </a:extLst>
+        </p:spPr>
+        <p:style>
+          <a:lnRef idx="2">
+            <a:schemeClr val="accent1">
+              <a:lumMod val="75000"/>
+            </a:schemeClr>
+          </a:lnRef>
+          <a:fillRef idx="1">
+            <a:schemeClr val="accent1"/>
+          </a:fillRef>
+          <a:effectRef idx="0">
+            <a:srgbClr val="FFFFFF"/>
+          </a:effectRef>
+          <a:fontRef idx="minor">
+            <a:schemeClr val="lt1"/>
+          </a:fontRef>
+        </p:style>
+        <p:txBody>
+          <a:bodyPr rtlCol="0" anchor="ctr"/>
+          <a:p>
+            <a:pPr algn="ctr"/>
+            <a:endParaRPr lang="zh-CN" altLang="en-US"/>
+          </a:p>
+        </p:txBody>
+      </p:sp>
+      <p:sp>
+        <p:nvSpPr>
+          <p:cNvPr id="6" name="文本框 5"/>
+          <p:cNvSpPr txBox="1"/>
+          <p:nvPr/>
+        </p:nvSpPr>
+        <p:spPr>
+          <a:xfrm>
+            <a:off x="822325" y="2198687"/>
+            <a:ext cx="5080000" cy="583565"/>
+          </a:xfrm>
+          <a:prstGeom prst="rect">
+            <a:avLst/>
+          </a:prstGeom>
+        </p:spPr>
+        <p:txBody>
+          <a:bodyPr>
+            <a:spAutoFit/>
+          </a:bodyPr>
+          <a:p>
+            <a:pPr marL="0" indent="0"/>
+            <a:r>
+              <a:rPr lang="zh-CN" altLang="en-US" sz="1600" b="0" i="0">
+                <a:solidFill>
+                  <a:srgbClr val="FF0000"/>
+                </a:solidFill>
+                <a:latin typeface="宋体" panose="02010600030101010101" pitchFamily="2" charset="-122"/>
+                <a:ea typeface="宋体" panose="02010600030101010101" pitchFamily="2" charset="-122"/>
+              </a:rPr>
+              <a:t>实现同态加法和同态乘法操作关键，并且证明了该技术可以有效地减少计算复杂度和存储需求</a:t>
+            </a:r>
+            <a:endParaRPr lang="zh-CN" altLang="en-US" sz="1600" b="0" i="0">
+              <a:solidFill>
+                <a:srgbClr val="FF0000"/>
+              </a:solidFill>
+              <a:latin typeface="宋体" panose="02010600030101010101" pitchFamily="2" charset="-122"/>
+              <a:ea typeface="宋体" panose="02010600030101010101" pitchFamily="2" charset="-122"/>
+            </a:endParaRPr>
+          </a:p>
+        </p:txBody>
+      </p:sp>
     </p:spTree>
   </p:cSld>
   <p:clrMapOvr>
@@ -12778,7 +13302,7 @@
                               <a:latin typeface="Cambria Math" panose="02040503050406030204" charset="0"/>
                               <a:cs typeface="Cambria Math" panose="02040503050406030204" charset="0"/>
                             </a:rPr>
-                            <m:t>e</m:t>
+                            <m:t>𝑒</m:t>
                           </m:r>
                         </m:sup>
                       </m:sSubSup>
@@ -13098,7 +13622,7 @@
                               <a:latin typeface="Cambria Math" panose="02040503050406030204" charset="0"/>
                               <a:cs typeface="Cambria Math" panose="02040503050406030204" charset="0"/>
                             </a:rPr>
-                            <m:t>d</m:t>
+                            <m:t>𝑑</m:t>
                           </m:r>
                         </m:sup>
                       </m:sSup>
@@ -14608,107 +15132,749 @@
           </a:p>
         </p:txBody>
       </p:sp>
-      <p:sp>
-        <p:nvSpPr>
-          <p:cNvPr id="29" name="文本框 28"/>
-          <p:cNvSpPr txBox="1"/>
-          <p:nvPr/>
-        </p:nvSpPr>
-        <p:spPr>
-          <a:xfrm>
-            <a:off x="6443980" y="2479040"/>
-            <a:ext cx="5632450" cy="368300"/>
-          </a:xfrm>
-          <a:prstGeom prst="rect">
-            <a:avLst/>
-          </a:prstGeom>
-          <a:noFill/>
-        </p:spPr>
-        <p:txBody>
-          <a:bodyPr wrap="square" rtlCol="0">
-            <a:spAutoFit/>
-          </a:bodyPr>
-          <a:p>
-            <a:r>
-              <a:rPr lang="zh-CN" altLang="en-US" dirty="0">
-                <a:latin typeface="宋体" panose="02010600030101010101" pitchFamily="2" charset="-122"/>
-                <a:ea typeface="宋体" panose="02010600030101010101" pitchFamily="2" charset="-122"/>
-                <a:cs typeface="宋体" panose="02010600030101010101" pitchFamily="2" charset="-122"/>
-              </a:rPr>
-              <a:t>困难性：理想格</a:t>
-            </a:r>
-            <a:r>
-              <a:rPr lang="zh-CN" altLang="en-US" dirty="0">
-                <a:latin typeface="宋体" panose="02010600030101010101" pitchFamily="2" charset="-122"/>
-                <a:ea typeface="宋体" panose="02010600030101010101" pitchFamily="2" charset="-122"/>
-                <a:cs typeface="宋体" panose="02010600030101010101" pitchFamily="2" charset="-122"/>
-              </a:rPr>
-              <a:t>问题(Ideal Coset Problem (ICP)</a:t>
-            </a:r>
-            <a:r>
-              <a:rPr lang="en-US" altLang="zh-CN" dirty="0">
-                <a:latin typeface="宋体" panose="02010600030101010101" pitchFamily="2" charset="-122"/>
-                <a:ea typeface="宋体" panose="02010600030101010101" pitchFamily="2" charset="-122"/>
-                <a:cs typeface="宋体" panose="02010600030101010101" pitchFamily="2" charset="-122"/>
-              </a:rPr>
-              <a:t>) </a:t>
-            </a:r>
-            <a:endParaRPr lang="en-US" altLang="zh-CN" dirty="0">
-              <a:latin typeface="宋体" panose="02010600030101010101" pitchFamily="2" charset="-122"/>
-              <a:ea typeface="宋体" panose="02010600030101010101" pitchFamily="2" charset="-122"/>
-              <a:cs typeface="宋体" panose="02010600030101010101" pitchFamily="2" charset="-122"/>
-            </a:endParaRPr>
-          </a:p>
-        </p:txBody>
-      </p:sp>
-      <p:pic>
-        <p:nvPicPr>
-          <p:cNvPr id="31" name="图片 30"/>
-          <p:cNvPicPr>
-            <a:picLocks noChangeAspect="1"/>
-          </p:cNvPicPr>
-          <p:nvPr/>
-        </p:nvPicPr>
-        <p:blipFill>
-          <a:blip r:embed="rId3"/>
-          <a:stretch>
-            <a:fillRect/>
-          </a:stretch>
-        </p:blipFill>
-        <p:spPr>
-          <a:xfrm>
-            <a:off x="7044690" y="2797175"/>
-            <a:ext cx="4054475" cy="828040"/>
-          </a:xfrm>
-          <a:prstGeom prst="rect">
-            <a:avLst/>
-          </a:prstGeom>
-        </p:spPr>
-      </p:pic>
-      <p:pic>
-        <p:nvPicPr>
-          <p:cNvPr id="32" name="图片 31"/>
-          <p:cNvPicPr>
-            <a:picLocks noChangeAspect="1"/>
-          </p:cNvPicPr>
-          <p:nvPr/>
-        </p:nvPicPr>
-        <p:blipFill>
-          <a:blip r:embed="rId4"/>
-          <a:stretch>
-            <a:fillRect/>
-          </a:stretch>
-        </p:blipFill>
-        <p:spPr>
-          <a:xfrm>
-            <a:off x="7044690" y="3578860"/>
-            <a:ext cx="4109085" cy="2827020"/>
-          </a:xfrm>
-          <a:prstGeom prst="rect">
-            <a:avLst/>
-          </a:prstGeom>
-        </p:spPr>
-      </p:pic>
+      <mc:AlternateContent xmlns:mc="http://schemas.openxmlformats.org/markup-compatibility/2006">
+        <mc:Choice xmlns:a14="http://schemas.microsoft.com/office/drawing/2010/main" Requires="a14">
+          <p:sp>
+            <p:nvSpPr>
+              <p:cNvPr id="29" name="文本框 28"/>
+              <p:cNvSpPr txBox="1"/>
+              <p:nvPr/>
+            </p:nvSpPr>
+            <p:spPr>
+              <a:xfrm>
+                <a:off x="6443980" y="2479040"/>
+                <a:ext cx="5632450" cy="3747135"/>
+              </a:xfrm>
+              <a:prstGeom prst="rect">
+                <a:avLst/>
+              </a:prstGeom>
+              <a:noFill/>
+            </p:spPr>
+            <p:txBody>
+              <a:bodyPr wrap="square" rtlCol="0">
+                <a:noAutofit/>
+              </a:bodyPr>
+              <a:p>
+                <a:r>
+                  <a:rPr lang="zh-CN" altLang="en-US" dirty="0">
+                    <a:latin typeface="宋体" panose="02010600030101010101" pitchFamily="2" charset="-122"/>
+                    <a:ea typeface="宋体" panose="02010600030101010101" pitchFamily="2" charset="-122"/>
+                    <a:cs typeface="宋体" panose="02010600030101010101" pitchFamily="2" charset="-122"/>
+                  </a:rPr>
+                  <a:t>困难性：理想陪集问题(</a:t>
+                </a:r>
+                <a:r>
+                  <a:rPr lang="zh-CN" altLang="en-US" dirty="0">
+                    <a:latin typeface="Times New Roman" panose="02020603050405020304" pitchFamily="18" charset="0"/>
+                    <a:ea typeface="宋体" panose="02010600030101010101" pitchFamily="2" charset="-122"/>
+                    <a:cs typeface="Times New Roman" panose="02020603050405020304" pitchFamily="18" charset="0"/>
+                  </a:rPr>
+                  <a:t>Ideal Coset Problem (ICP)</a:t>
+                </a:r>
+                <a:r>
+                  <a:rPr lang="en-US" altLang="zh-CN" dirty="0">
+                    <a:latin typeface="宋体" panose="02010600030101010101" pitchFamily="2" charset="-122"/>
+                    <a:ea typeface="宋体" panose="02010600030101010101" pitchFamily="2" charset="-122"/>
+                    <a:cs typeface="宋体" panose="02010600030101010101" pitchFamily="2" charset="-122"/>
+                  </a:rPr>
+                  <a:t>)</a:t>
+                </a:r>
+                <a:endParaRPr lang="en-US" altLang="zh-CN" dirty="0">
+                  <a:latin typeface="宋体" panose="02010600030101010101" pitchFamily="2" charset="-122"/>
+                  <a:ea typeface="宋体" panose="02010600030101010101" pitchFamily="2" charset="-122"/>
+                  <a:cs typeface="宋体" panose="02010600030101010101" pitchFamily="2" charset="-122"/>
+                </a:endParaRPr>
+              </a:p>
+              <a:p>
+                <a:r>
+                  <a:rPr lang="zh-CN" altLang="en-US" dirty="0">
+                    <a:latin typeface="宋体" panose="02010600030101010101" pitchFamily="2" charset="-122"/>
+                    <a:ea typeface="宋体" panose="02010600030101010101" pitchFamily="2" charset="-122"/>
+                    <a:cs typeface="宋体" panose="02010600030101010101" pitchFamily="2" charset="-122"/>
+                  </a:rPr>
+                  <a:t>对称的部分同态方案描述：</a:t>
+                </a:r>
+                <a:endParaRPr lang="zh-CN" altLang="en-US" dirty="0">
+                  <a:latin typeface="宋体" panose="02010600030101010101" pitchFamily="2" charset="-122"/>
+                  <a:ea typeface="宋体" panose="02010600030101010101" pitchFamily="2" charset="-122"/>
+                  <a:cs typeface="宋体" panose="02010600030101010101" pitchFamily="2" charset="-122"/>
+                </a:endParaRPr>
+              </a:p>
+              <a:p>
+                <a:r>
+                  <a:rPr lang="zh-CN" altLang="en-US" dirty="0">
+                    <a:latin typeface="宋体" panose="02010600030101010101" pitchFamily="2" charset="-122"/>
+                    <a:ea typeface="宋体" panose="02010600030101010101" pitchFamily="2" charset="-122"/>
+                    <a:cs typeface="宋体" panose="02010600030101010101" pitchFamily="2" charset="-122"/>
+                  </a:rPr>
+                  <a:t>密钥生成：</a:t>
+                </a:r>
+                <a:endParaRPr lang="zh-CN" altLang="en-US" dirty="0">
+                  <a:latin typeface="宋体" panose="02010600030101010101" pitchFamily="2" charset="-122"/>
+                  <a:ea typeface="宋体" panose="02010600030101010101" pitchFamily="2" charset="-122"/>
+                  <a:cs typeface="宋体" panose="02010600030101010101" pitchFamily="2" charset="-122"/>
+                </a:endParaRPr>
+              </a:p>
+              <a:p>
+                <a:pPr indent="457200"/>
+                <a:r>
+                  <a:rPr lang="zh-CN" altLang="en-US" dirty="0">
+                    <a:latin typeface="宋体" panose="02010600030101010101" pitchFamily="2" charset="-122"/>
+                    <a:ea typeface="宋体" panose="02010600030101010101" pitchFamily="2" charset="-122"/>
+                    <a:cs typeface="宋体" panose="02010600030101010101" pitchFamily="2" charset="-122"/>
+                  </a:rPr>
+                  <a:t>生成密钥</a:t>
+                </a:r>
+                <a14:m>
+                  <m:oMath xmlns:m="http://schemas.openxmlformats.org/officeDocument/2006/math">
+                    <m:r>
+                      <a:rPr lang="en-US" altLang="zh-CN" i="1" dirty="0">
+                        <a:latin typeface="Cambria Math" panose="02040503050406030204" charset="0"/>
+                        <a:ea typeface="宋体" panose="02010600030101010101" pitchFamily="2" charset="-122"/>
+                        <a:cs typeface="Cambria Math" panose="02040503050406030204" charset="0"/>
+                      </a:rPr>
+                      <m:t>𝐾</m:t>
+                    </m:r>
+                    <m:r>
+                      <a:rPr lang="en-US" altLang="zh-CN" i="1" dirty="0">
+                        <a:latin typeface="Cambria Math" panose="02040503050406030204" charset="0"/>
+                        <a:ea typeface="宋体" panose="02010600030101010101" pitchFamily="2" charset="-122"/>
+                        <a:cs typeface="Cambria Math" panose="02040503050406030204" charset="0"/>
+                      </a:rPr>
+                      <m:t>= </m:t>
+                    </m:r>
+                    <m:r>
+                      <a:rPr lang="en-US" altLang="zh-CN" i="1" dirty="0">
+                        <a:latin typeface="Cambria Math" panose="02040503050406030204" charset="0"/>
+                        <a:ea typeface="宋体" panose="02010600030101010101" pitchFamily="2" charset="-122"/>
+                        <a:cs typeface="Cambria Math" panose="02040503050406030204" charset="0"/>
+                      </a:rPr>
+                      <m:t>𝑝</m:t>
+                    </m:r>
+                  </m:oMath>
+                </a14:m>
+                <a:r>
+                  <a:rPr lang="en-US" altLang="zh-CN" dirty="0">
+                    <a:latin typeface="Cambria Math" panose="02040503050406030204" charset="0"/>
+                    <a:ea typeface="宋体" panose="02010600030101010101" pitchFamily="2" charset="-122"/>
+                    <a:cs typeface="Cambria Math" panose="02040503050406030204" charset="0"/>
+                  </a:rPr>
+                  <a:t>(</a:t>
+                </a:r>
+                <a14:m>
+                  <m:oMath xmlns:m="http://schemas.openxmlformats.org/officeDocument/2006/math">
+                    <m:r>
+                      <a:rPr lang="en-US" altLang="zh-CN" i="1" dirty="0">
+                        <a:latin typeface="Cambria Math" panose="02040503050406030204" charset="0"/>
+                        <a:ea typeface="宋体" panose="02010600030101010101" pitchFamily="2" charset="-122"/>
+                        <a:cs typeface="Cambria Math" panose="02040503050406030204" charset="0"/>
+                      </a:rPr>
+                      <m:t>p</m:t>
+                    </m:r>
+                  </m:oMath>
+                </a14:m>
+                <a:r>
+                  <a:rPr lang="zh-CN" altLang="en-US" dirty="0">
+                    <a:latin typeface="Cambria Math" panose="02040503050406030204" charset="0"/>
+                    <a:ea typeface="宋体" panose="02010600030101010101" pitchFamily="2" charset="-122"/>
+                    <a:cs typeface="Cambria Math" panose="02040503050406030204" charset="0"/>
+                  </a:rPr>
+                  <a:t>是一个奇数</a:t>
+                </a:r>
+                <a:r>
+                  <a:rPr lang="en-US" altLang="zh-CN" dirty="0">
+                    <a:latin typeface="Cambria Math" panose="02040503050406030204" charset="0"/>
+                    <a:ea typeface="宋体" panose="02010600030101010101" pitchFamily="2" charset="-122"/>
+                    <a:cs typeface="Cambria Math" panose="02040503050406030204" charset="0"/>
+                  </a:rPr>
+                  <a:t>)</a:t>
+                </a:r>
+                <a:r>
+                  <a:rPr lang="zh-CN" altLang="en-US" dirty="0">
+                    <a:latin typeface="Cambria Math" panose="02040503050406030204" charset="0"/>
+                    <a:ea typeface="宋体" panose="02010600030101010101" pitchFamily="2" charset="-122"/>
+                    <a:cs typeface="Cambria Math" panose="02040503050406030204" charset="0"/>
+                  </a:rPr>
+                  <a:t>，任取大整数</a:t>
+                </a:r>
+                <a:r>
+                  <a:rPr lang="en-US" altLang="zh-CN" dirty="0">
+                    <a:latin typeface="Cambria Math" panose="02040503050406030204" charset="0"/>
+                    <a:ea typeface="宋体" panose="02010600030101010101" pitchFamily="2" charset="-122"/>
+                    <a:cs typeface="Cambria Math" panose="02040503050406030204" charset="0"/>
+                  </a:rPr>
+                  <a:t>q</a:t>
+                </a:r>
+                <a:endParaRPr lang="zh-CN" altLang="en-US" dirty="0">
+                  <a:solidFill>
+                    <a:schemeClr val="tx1"/>
+                  </a:solidFill>
+                  <a:latin typeface="Cambria Math" panose="02040503050406030204" charset="0"/>
+                  <a:ea typeface="宋体" panose="02010600030101010101" pitchFamily="2" charset="-122"/>
+                  <a:cs typeface="Cambria Math" panose="02040503050406030204" charset="0"/>
+                </a:endParaRPr>
+              </a:p>
+              <a:p>
+                <a:pPr marL="0" lvl="0" indent="0">
+                  <a:buNone/>
+                </a:pPr>
+                <a:r>
+                  <a:rPr lang="zh-CN" altLang="en-US" dirty="0">
+                    <a:solidFill>
+                      <a:schemeClr val="tx1"/>
+                    </a:solidFill>
+                    <a:latin typeface="Cambria Math" panose="02040503050406030204" charset="0"/>
+                    <a:ea typeface="宋体" panose="02010600030101010101" pitchFamily="2" charset="-122"/>
+                    <a:cs typeface="Cambria Math" panose="02040503050406030204" charset="0"/>
+                  </a:rPr>
+                  <a:t>加密</a:t>
+                </a:r>
+                <a:r>
+                  <a:rPr lang="zh-CN" altLang="en-US" dirty="0">
+                    <a:solidFill>
+                      <a:schemeClr val="tx1"/>
+                    </a:solidFill>
+                    <a:latin typeface="Cambria Math" panose="02040503050406030204" charset="0"/>
+                    <a:ea typeface="宋体" panose="02010600030101010101" pitchFamily="2" charset="-122"/>
+                    <a:cs typeface="Cambria Math" panose="02040503050406030204" charset="0"/>
+                  </a:rPr>
+                  <a:t>方案：</a:t>
+                </a:r>
+                <a:endParaRPr lang="zh-CN" altLang="en-US" dirty="0">
+                  <a:solidFill>
+                    <a:schemeClr val="tx1"/>
+                  </a:solidFill>
+                  <a:latin typeface="Cambria Math" panose="02040503050406030204" charset="0"/>
+                  <a:ea typeface="宋体" panose="02010600030101010101" pitchFamily="2" charset="-122"/>
+                  <a:cs typeface="Cambria Math" panose="02040503050406030204" charset="0"/>
+                </a:endParaRPr>
+              </a:p>
+              <a:p>
+                <a:pPr marL="0" lvl="0" indent="0">
+                  <a:buNone/>
+                </a:pPr>
+                <a14:m>
+                  <m:oMathPara xmlns:m="http://schemas.openxmlformats.org/officeDocument/2006/math">
+                    <m:oMathParaPr>
+                      <m:jc m:val="centerGroup"/>
+                    </m:oMathParaPr>
+                    <m:oMath xmlns:m="http://schemas.openxmlformats.org/officeDocument/2006/math">
+                      <m:r>
+                        <a:rPr lang="en-US" altLang="zh-CN" i="1" dirty="0">
+                          <a:latin typeface="Cambria Math" panose="02040503050406030204" charset="0"/>
+                          <a:ea typeface="宋体" panose="02010600030101010101" pitchFamily="2" charset="-122"/>
+                          <a:cs typeface="Cambria Math" panose="02040503050406030204" charset="0"/>
+                        </a:rPr>
+                        <m:t>c=</m:t>
+                      </m:r>
+                      <m:r>
+                        <a:rPr lang="en-US" altLang="zh-CN" i="1" dirty="0">
+                          <a:latin typeface="Cambria Math" panose="02040503050406030204" charset="0"/>
+                          <a:ea typeface="宋体" panose="02010600030101010101" pitchFamily="2" charset="-122"/>
+                          <a:cs typeface="Cambria Math" panose="02040503050406030204" charset="0"/>
+                        </a:rPr>
+                        <m:t>𝑝𝑞</m:t>
+                      </m:r>
+                      <m:r>
+                        <a:rPr lang="en-US" altLang="zh-CN" i="1" dirty="0">
+                          <a:latin typeface="Cambria Math" panose="02040503050406030204" charset="0"/>
+                          <a:ea typeface="宋体" panose="02010600030101010101" pitchFamily="2" charset="-122"/>
+                          <a:cs typeface="Cambria Math" panose="02040503050406030204" charset="0"/>
+                        </a:rPr>
+                        <m:t>+</m:t>
+                      </m:r>
+                      <m:r>
+                        <a:rPr lang="en-US" altLang="zh-CN" i="1" dirty="0">
+                          <a:latin typeface="Cambria Math" panose="02040503050406030204" charset="0"/>
+                          <a:ea typeface="宋体" panose="02010600030101010101" pitchFamily="2" charset="-122"/>
+                          <a:cs typeface="Cambria Math" panose="02040503050406030204" charset="0"/>
+                        </a:rPr>
+                        <m:t>2</m:t>
+                      </m:r>
+                      <m:r>
+                        <a:rPr lang="en-US" altLang="zh-CN" i="1" dirty="0">
+                          <a:latin typeface="Cambria Math" panose="02040503050406030204" charset="0"/>
+                          <a:ea typeface="宋体" panose="02010600030101010101" pitchFamily="2" charset="-122"/>
+                          <a:cs typeface="Cambria Math" panose="02040503050406030204" charset="0"/>
+                        </a:rPr>
+                        <m:t>𝑟</m:t>
+                      </m:r>
+                      <m:r>
+                        <a:rPr lang="en-US" altLang="zh-CN" i="1" dirty="0">
+                          <a:latin typeface="Cambria Math" panose="02040503050406030204" charset="0"/>
+                          <a:ea typeface="宋体" panose="02010600030101010101" pitchFamily="2" charset="-122"/>
+                          <a:cs typeface="Cambria Math" panose="02040503050406030204" charset="0"/>
+                        </a:rPr>
+                        <m:t>+</m:t>
+                      </m:r>
+                      <m:r>
+                        <a:rPr lang="en-US" altLang="zh-CN" i="1" dirty="0">
+                          <a:latin typeface="Cambria Math" panose="02040503050406030204" charset="0"/>
+                          <a:ea typeface="宋体" panose="02010600030101010101" pitchFamily="2" charset="-122"/>
+                          <a:cs typeface="Cambria Math" panose="02040503050406030204" charset="0"/>
+                        </a:rPr>
+                        <m:t>𝑚</m:t>
+                      </m:r>
+                    </m:oMath>
+                  </m:oMathPara>
+                </a14:m>
+                <a:endParaRPr lang="en-US" altLang="zh-CN" i="1" dirty="0">
+                  <a:latin typeface="Cambria Math" panose="02040503050406030204" charset="0"/>
+                  <a:ea typeface="宋体" panose="02010600030101010101" pitchFamily="2" charset="-122"/>
+                  <a:cs typeface="Cambria Math" panose="02040503050406030204" charset="0"/>
+                </a:endParaRPr>
+              </a:p>
+              <a:p>
+                <a:pPr marL="0" lvl="0" indent="457200">
+                  <a:buNone/>
+                </a:pPr>
+                <a:r>
+                  <a:rPr lang="en-US" altLang="zh-CN" dirty="0">
+                    <a:latin typeface="Cambria Math" panose="02040503050406030204" charset="0"/>
+                    <a:ea typeface="宋体" panose="02010600030101010101" pitchFamily="2" charset="-122"/>
+                    <a:cs typeface="Cambria Math" panose="02040503050406030204" charset="0"/>
+                  </a:rPr>
+                  <a:t>r</a:t>
+                </a:r>
+                <a:r>
+                  <a:rPr lang="zh-CN" altLang="en-US" dirty="0">
+                    <a:latin typeface="Cambria Math" panose="02040503050406030204" charset="0"/>
+                    <a:ea typeface="宋体" panose="02010600030101010101" pitchFamily="2" charset="-122"/>
+                    <a:cs typeface="Cambria Math" panose="02040503050406030204" charset="0"/>
+                  </a:rPr>
+                  <a:t>是随机小整数</a:t>
+                </a:r>
+                <a:r>
+                  <a:rPr lang="en-US" altLang="zh-CN" dirty="0">
+                    <a:latin typeface="Cambria Math" panose="02040503050406030204" charset="0"/>
+                    <a:ea typeface="宋体" panose="02010600030101010101" pitchFamily="2" charset="-122"/>
+                    <a:cs typeface="Cambria Math" panose="02040503050406030204" charset="0"/>
+                  </a:rPr>
+                  <a:t>(</a:t>
+                </a:r>
+                <a:r>
+                  <a:rPr lang="zh-CN" altLang="en-US" dirty="0">
+                    <a:latin typeface="Cambria Math" panose="02040503050406030204" charset="0"/>
+                    <a:ea typeface="宋体" panose="02010600030101010101" pitchFamily="2" charset="-122"/>
+                    <a:cs typeface="Cambria Math" panose="02040503050406030204" charset="0"/>
+                  </a:rPr>
+                  <a:t>扰动</a:t>
+                </a:r>
+                <a:r>
+                  <a:rPr lang="en-US" altLang="zh-CN" dirty="0">
+                    <a:latin typeface="Cambria Math" panose="02040503050406030204" charset="0"/>
+                    <a:ea typeface="宋体" panose="02010600030101010101" pitchFamily="2" charset="-122"/>
+                    <a:cs typeface="Cambria Math" panose="02040503050406030204" charset="0"/>
+                  </a:rPr>
+                  <a:t>)</a:t>
+                </a:r>
+                <a:endParaRPr lang="en-US" altLang="zh-CN" i="1" dirty="0">
+                  <a:latin typeface="Cambria Math" panose="02040503050406030204" charset="0"/>
+                  <a:ea typeface="宋体" panose="02010600030101010101" pitchFamily="2" charset="-122"/>
+                  <a:cs typeface="Cambria Math" panose="02040503050406030204" charset="0"/>
+                </a:endParaRPr>
+              </a:p>
+              <a:p>
+                <a:pPr marL="0" lvl="0" indent="0">
+                  <a:buNone/>
+                </a:pPr>
+                <a:r>
+                  <a:rPr lang="zh-CN" altLang="en-US" dirty="0">
+                    <a:solidFill>
+                      <a:schemeClr val="tx1"/>
+                    </a:solidFill>
+                    <a:latin typeface="Cambria Math" panose="02040503050406030204" charset="0"/>
+                    <a:ea typeface="宋体" panose="02010600030101010101" pitchFamily="2" charset="-122"/>
+                    <a:cs typeface="Cambria Math" panose="02040503050406030204" charset="0"/>
+                  </a:rPr>
+                  <a:t>解密方案：</a:t>
+                </a:r>
+                <a:endParaRPr lang="zh-CN" altLang="en-US" dirty="0">
+                  <a:solidFill>
+                    <a:schemeClr val="tx1"/>
+                  </a:solidFill>
+                  <a:latin typeface="Cambria Math" panose="02040503050406030204" charset="0"/>
+                  <a:ea typeface="宋体" panose="02010600030101010101" pitchFamily="2" charset="-122"/>
+                  <a:cs typeface="Cambria Math" panose="02040503050406030204" charset="0"/>
+                </a:endParaRPr>
+              </a:p>
+              <a:p>
+                <a:pPr marL="0" lvl="0" indent="0">
+                  <a:buNone/>
+                </a:pPr>
+                <a14:m>
+                  <m:oMathPara xmlns:m="http://schemas.openxmlformats.org/officeDocument/2006/math">
+                    <m:oMathParaPr>
+                      <m:jc m:val="centerGroup"/>
+                    </m:oMathParaPr>
+                    <m:oMath xmlns:m="http://schemas.openxmlformats.org/officeDocument/2006/math">
+                      <m:r>
+                        <a:rPr lang="en-US" altLang="zh-CN" i="1" dirty="0">
+                          <a:latin typeface="Cambria Math" panose="02040503050406030204" charset="0"/>
+                          <a:ea typeface="宋体" panose="02010600030101010101" pitchFamily="2" charset="-122"/>
+                          <a:cs typeface="Cambria Math" panose="02040503050406030204" charset="0"/>
+                        </a:rPr>
+                        <m:t>𝑚</m:t>
+                      </m:r>
+                      <m:r>
+                        <a:rPr lang="en-US" altLang="zh-CN" i="1" dirty="0">
+                          <a:latin typeface="Cambria Math" panose="02040503050406030204" charset="0"/>
+                          <a:ea typeface="宋体" panose="02010600030101010101" pitchFamily="2" charset="-122"/>
+                          <a:cs typeface="Cambria Math" panose="02040503050406030204" charset="0"/>
+                        </a:rPr>
+                        <m:t>=(</m:t>
+                      </m:r>
+                      <m:r>
+                        <a:rPr lang="en-US" altLang="zh-CN" i="1" dirty="0">
+                          <a:latin typeface="Cambria Math" panose="02040503050406030204" charset="0"/>
+                          <a:ea typeface="宋体" panose="02010600030101010101" pitchFamily="2" charset="-122"/>
+                          <a:cs typeface="Cambria Math" panose="02040503050406030204" charset="0"/>
+                        </a:rPr>
+                        <m:t>𝑐</m:t>
+                      </m:r>
+                      <m:r>
+                        <a:rPr lang="en-US" altLang="zh-CN" i="1" dirty="0">
+                          <a:latin typeface="Cambria Math" panose="02040503050406030204" charset="0"/>
+                          <a:ea typeface="宋体" panose="02010600030101010101" pitchFamily="2" charset="-122"/>
+                          <a:cs typeface="Cambria Math" panose="02040503050406030204" charset="0"/>
+                        </a:rPr>
+                        <m:t> </m:t>
+                      </m:r>
+                      <m:r>
+                        <a:rPr lang="en-US" altLang="zh-CN" i="1" dirty="0">
+                          <a:latin typeface="Cambria Math" panose="02040503050406030204" charset="0"/>
+                          <a:ea typeface="宋体" panose="02010600030101010101" pitchFamily="2" charset="-122"/>
+                          <a:cs typeface="Cambria Math" panose="02040503050406030204" charset="0"/>
+                        </a:rPr>
+                        <m:t>𝑚𝑜𝑑</m:t>
+                      </m:r>
+                      <m:r>
+                        <a:rPr lang="en-US" altLang="zh-CN" i="1" dirty="0">
+                          <a:latin typeface="Cambria Math" panose="02040503050406030204" charset="0"/>
+                          <a:ea typeface="宋体" panose="02010600030101010101" pitchFamily="2" charset="-122"/>
+                          <a:cs typeface="Cambria Math" panose="02040503050406030204" charset="0"/>
+                        </a:rPr>
+                        <m:t> </m:t>
+                      </m:r>
+                      <m:r>
+                        <a:rPr lang="en-US" altLang="zh-CN" i="1" dirty="0">
+                          <a:latin typeface="Cambria Math" panose="02040503050406030204" charset="0"/>
+                          <a:ea typeface="宋体" panose="02010600030101010101" pitchFamily="2" charset="-122"/>
+                          <a:cs typeface="Cambria Math" panose="02040503050406030204" charset="0"/>
+                        </a:rPr>
+                        <m:t>𝑝</m:t>
+                      </m:r>
+                      <m:r>
+                        <a:rPr lang="en-US" altLang="zh-CN" i="1" dirty="0">
+                          <a:latin typeface="Cambria Math" panose="02040503050406030204" charset="0"/>
+                          <a:ea typeface="宋体" panose="02010600030101010101" pitchFamily="2" charset="-122"/>
+                          <a:cs typeface="Cambria Math" panose="02040503050406030204" charset="0"/>
+                        </a:rPr>
+                        <m:t>) </m:t>
+                      </m:r>
+                      <m:r>
+                        <a:rPr lang="en-US" altLang="zh-CN" i="1" dirty="0">
+                          <a:latin typeface="Cambria Math" panose="02040503050406030204" charset="0"/>
+                          <a:ea typeface="宋体" panose="02010600030101010101" pitchFamily="2" charset="-122"/>
+                          <a:cs typeface="Cambria Math" panose="02040503050406030204" charset="0"/>
+                        </a:rPr>
+                        <m:t>𝑚𝑜𝑑</m:t>
+                      </m:r>
+                      <m:r>
+                        <a:rPr lang="en-US" altLang="zh-CN" i="1" dirty="0">
+                          <a:latin typeface="Cambria Math" panose="02040503050406030204" charset="0"/>
+                          <a:ea typeface="宋体" panose="02010600030101010101" pitchFamily="2" charset="-122"/>
+                          <a:cs typeface="Cambria Math" panose="02040503050406030204" charset="0"/>
+                        </a:rPr>
+                        <m:t>2</m:t>
+                      </m:r>
+                      <m:r>
+                        <a:rPr lang="en-US" altLang="zh-CN" i="1" dirty="0">
+                          <a:latin typeface="Cambria Math" panose="02040503050406030204" charset="0"/>
+                          <a:ea typeface="宋体" panose="02010600030101010101" pitchFamily="2" charset="-122"/>
+                          <a:cs typeface="Cambria Math" panose="02040503050406030204" charset="0"/>
+                        </a:rPr>
+                        <m:t>=(</m:t>
+                      </m:r>
+                      <m:r>
+                        <a:rPr lang="en-US" altLang="zh-CN" i="1" dirty="0">
+                          <a:latin typeface="Cambria Math" panose="02040503050406030204" charset="0"/>
+                          <a:ea typeface="宋体" panose="02010600030101010101" pitchFamily="2" charset="-122"/>
+                          <a:cs typeface="Cambria Math" panose="02040503050406030204" charset="0"/>
+                        </a:rPr>
+                        <m:t>𝑐−</m:t>
+                      </m:r>
+                      <m:d>
+                        <m:dPr>
+                          <m:begChr m:val="⌊"/>
+                          <m:endChr m:val="⌋"/>
+                          <m:ctrlPr>
+                            <a:rPr lang="en-US" altLang="zh-CN" i="1" dirty="0">
+                              <a:latin typeface="Cambria Math" panose="02040503050406030204" charset="0"/>
+                              <a:ea typeface="宋体" panose="02010600030101010101" pitchFamily="2" charset="-122"/>
+                              <a:cs typeface="Cambria Math" panose="02040503050406030204" charset="0"/>
+                            </a:rPr>
+                          </m:ctrlPr>
+                        </m:dPr>
+                        <m:e>
+                          <m:r>
+                            <a:rPr lang="en-US" altLang="zh-CN" i="1" dirty="0">
+                              <a:latin typeface="Cambria Math" panose="02040503050406030204" charset="0"/>
+                              <a:ea typeface="宋体" panose="02010600030101010101" pitchFamily="2" charset="-122"/>
+                              <a:cs typeface="Cambria Math" panose="02040503050406030204" charset="0"/>
+                            </a:rPr>
+                            <m:t>𝑐</m:t>
+                          </m:r>
+                          <m:r>
+                            <a:rPr lang="en-US" altLang="zh-CN" i="1" dirty="0">
+                              <a:latin typeface="Cambria Math" panose="02040503050406030204" charset="0"/>
+                              <a:ea typeface="宋体" panose="02010600030101010101" pitchFamily="2" charset="-122"/>
+                              <a:cs typeface="Cambria Math" panose="02040503050406030204" charset="0"/>
+                            </a:rPr>
+                            <m:t>/</m:t>
+                          </m:r>
+                          <m:r>
+                            <a:rPr lang="en-US" altLang="zh-CN" i="1" dirty="0">
+                              <a:latin typeface="Cambria Math" panose="02040503050406030204" charset="0"/>
+                              <a:ea typeface="宋体" panose="02010600030101010101" pitchFamily="2" charset="-122"/>
+                              <a:cs typeface="Cambria Math" panose="02040503050406030204" charset="0"/>
+                            </a:rPr>
+                            <m:t>𝑝</m:t>
+                          </m:r>
+                        </m:e>
+                      </m:d>
+                      <m:r>
+                        <a:rPr lang="en-US" altLang="zh-CN" i="1" dirty="0">
+                          <a:latin typeface="Cambria Math" panose="02040503050406030204" charset="0"/>
+                          <a:ea typeface="宋体" panose="02010600030101010101" pitchFamily="2" charset="-122"/>
+                          <a:cs typeface="Cambria Math" panose="02040503050406030204" charset="0"/>
+                        </a:rPr>
+                        <m:t>)</m:t>
+                      </m:r>
+                      <m:r>
+                        <a:rPr lang="en-US" altLang="zh-CN" i="1" dirty="0">
+                          <a:latin typeface="Cambria Math" panose="02040503050406030204" charset="0"/>
+                          <a:ea typeface="宋体" panose="02010600030101010101" pitchFamily="2" charset="-122"/>
+                          <a:cs typeface="Cambria Math" panose="02040503050406030204" charset="0"/>
+                        </a:rPr>
+                        <m:t>𝑚𝑜𝑑</m:t>
+                      </m:r>
+                      <m:r>
+                        <a:rPr lang="en-US" altLang="zh-CN" i="1" dirty="0">
+                          <a:latin typeface="Cambria Math" panose="02040503050406030204" charset="0"/>
+                          <a:ea typeface="宋体" panose="02010600030101010101" pitchFamily="2" charset="-122"/>
+                          <a:cs typeface="Cambria Math" panose="02040503050406030204" charset="0"/>
+                        </a:rPr>
+                        <m:t> </m:t>
+                      </m:r>
+                      <m:r>
+                        <a:rPr lang="en-US" altLang="zh-CN" i="1" dirty="0">
+                          <a:latin typeface="Cambria Math" panose="02040503050406030204" charset="0"/>
+                          <a:ea typeface="宋体" panose="02010600030101010101" pitchFamily="2" charset="-122"/>
+                          <a:cs typeface="Cambria Math" panose="02040503050406030204" charset="0"/>
+                        </a:rPr>
+                        <m:t>2</m:t>
+                      </m:r>
+                    </m:oMath>
+                  </m:oMathPara>
+                </a14:m>
+                <a:endParaRPr lang="en-US" altLang="zh-CN" i="1" dirty="0">
+                  <a:latin typeface="Cambria Math" panose="02040503050406030204" charset="0"/>
+                  <a:ea typeface="宋体" panose="02010600030101010101" pitchFamily="2" charset="-122"/>
+                  <a:cs typeface="Cambria Math" panose="02040503050406030204" charset="0"/>
+                </a:endParaRPr>
+              </a:p>
+              <a:p>
+                <a:pPr marL="0" lvl="0" indent="0">
+                  <a:buNone/>
+                </a:pPr>
+                <a:endParaRPr lang="en-US" altLang="zh-CN" i="1" dirty="0">
+                  <a:latin typeface="Cambria Math" panose="02040503050406030204" charset="0"/>
+                  <a:ea typeface="宋体" panose="02010600030101010101" pitchFamily="2" charset="-122"/>
+                  <a:cs typeface="Cambria Math" panose="02040503050406030204" charset="0"/>
+                </a:endParaRPr>
+              </a:p>
+              <a:p>
+                <a:pPr marL="0" lvl="0" indent="0">
+                  <a:buNone/>
+                </a:pPr>
+                <a:r>
+                  <a:rPr lang="zh-CN" altLang="en-US" dirty="0">
+                    <a:solidFill>
+                      <a:schemeClr val="tx1"/>
+                    </a:solidFill>
+                    <a:latin typeface="Cambria Math" panose="02040503050406030204" charset="0"/>
+                    <a:ea typeface="宋体" panose="02010600030101010101" pitchFamily="2" charset="-122"/>
+                    <a:cs typeface="Cambria Math" panose="02040503050406030204" charset="0"/>
+                  </a:rPr>
+                  <a:t>能保证在噪声</a:t>
+                </a:r>
+                <a14:m>
+                  <m:oMath xmlns:m="http://schemas.openxmlformats.org/officeDocument/2006/math">
+                    <m:r>
+                      <a:rPr lang="en-US" altLang="zh-CN" i="1" dirty="0">
+                        <a:latin typeface="Cambria Math" panose="02040503050406030204" charset="0"/>
+                        <a:ea typeface="宋体" panose="02010600030101010101" pitchFamily="2" charset="-122"/>
+                        <a:cs typeface="Cambria Math" panose="02040503050406030204" charset="0"/>
+                      </a:rPr>
+                      <m:t>2</m:t>
+                    </m:r>
+                    <m:r>
+                      <a:rPr lang="en-US" altLang="zh-CN" i="1" dirty="0">
+                        <a:latin typeface="Cambria Math" panose="02040503050406030204" charset="0"/>
+                        <a:ea typeface="宋体" panose="02010600030101010101" pitchFamily="2" charset="-122"/>
+                        <a:cs typeface="Cambria Math" panose="02040503050406030204" charset="0"/>
+                      </a:rPr>
+                      <m:t>𝑟</m:t>
+                    </m:r>
+                    <m:r>
+                      <a:rPr lang="en-US" altLang="zh-CN" i="1" dirty="0">
+                        <a:latin typeface="Cambria Math" panose="02040503050406030204" charset="0"/>
+                        <a:ea typeface="宋体" panose="02010600030101010101" pitchFamily="2" charset="-122"/>
+                        <a:cs typeface="Cambria Math" panose="02040503050406030204" charset="0"/>
+                      </a:rPr>
+                      <m:t>+</m:t>
+                    </m:r>
+                    <m:r>
+                      <a:rPr lang="en-US" altLang="zh-CN" i="1" dirty="0">
+                        <a:latin typeface="Cambria Math" panose="02040503050406030204" charset="0"/>
+                        <a:ea typeface="宋体" panose="02010600030101010101" pitchFamily="2" charset="-122"/>
+                        <a:cs typeface="Cambria Math" panose="02040503050406030204" charset="0"/>
+                      </a:rPr>
+                      <m:t>𝑚</m:t>
+                    </m:r>
+                    <m:r>
+                      <a:rPr lang="en-US" altLang="zh-CN" i="1" dirty="0">
+                        <a:latin typeface="Cambria Math" panose="02040503050406030204" charset="0"/>
+                        <a:ea typeface="宋体" panose="02010600030101010101" pitchFamily="2" charset="-122"/>
+                        <a:cs typeface="Cambria Math" panose="02040503050406030204" charset="0"/>
+                      </a:rPr>
+                      <m:t>&lt;</m:t>
+                    </m:r>
+                    <m:r>
+                      <a:rPr lang="en-US" altLang="zh-CN" i="1" dirty="0">
+                        <a:latin typeface="Cambria Math" panose="02040503050406030204" charset="0"/>
+                        <a:ea typeface="宋体" panose="02010600030101010101" pitchFamily="2" charset="-122"/>
+                        <a:cs typeface="Cambria Math" panose="02040503050406030204" charset="0"/>
+                      </a:rPr>
+                      <m:t>𝑝</m:t>
+                    </m:r>
+                    <m:r>
+                      <a:rPr lang="en-US" altLang="zh-CN" i="1" dirty="0">
+                        <a:latin typeface="Cambria Math" panose="02040503050406030204" charset="0"/>
+                        <a:ea typeface="宋体" panose="02010600030101010101" pitchFamily="2" charset="-122"/>
+                        <a:cs typeface="Cambria Math" panose="02040503050406030204" charset="0"/>
+                      </a:rPr>
+                      <m:t>/</m:t>
+                    </m:r>
+                    <m:r>
+                      <a:rPr lang="en-US" altLang="zh-CN" i="1" dirty="0">
+                        <a:latin typeface="Cambria Math" panose="02040503050406030204" charset="0"/>
+                        <a:ea typeface="宋体" panose="02010600030101010101" pitchFamily="2" charset="-122"/>
+                        <a:cs typeface="Cambria Math" panose="02040503050406030204" charset="0"/>
+                      </a:rPr>
+                      <m:t>2</m:t>
+                    </m:r>
+                  </m:oMath>
+                </a14:m>
+                <a:r>
+                  <a:rPr lang="zh-CN" altLang="en-US" dirty="0">
+                    <a:latin typeface="Cambria Math" panose="02040503050406030204" charset="0"/>
+                    <a:ea typeface="宋体" panose="02010600030101010101" pitchFamily="2" charset="-122"/>
+                    <a:cs typeface="Cambria Math" panose="02040503050406030204" charset="0"/>
+                  </a:rPr>
+                  <a:t>时</a:t>
+                </a:r>
+                <a:r>
+                  <a:rPr lang="en-US" altLang="zh-CN" dirty="0">
+                    <a:latin typeface="Cambria Math" panose="02040503050406030204" charset="0"/>
+                    <a:ea typeface="宋体" panose="02010600030101010101" pitchFamily="2" charset="-122"/>
+                    <a:cs typeface="Cambria Math" panose="02040503050406030204" charset="0"/>
+                  </a:rPr>
+                  <a:t> </a:t>
+                </a:r>
+                <a:r>
+                  <a:rPr lang="zh-CN" altLang="en-US" dirty="0">
+                    <a:latin typeface="Cambria Math" panose="02040503050406030204" charset="0"/>
+                    <a:ea typeface="宋体" panose="02010600030101010101" pitchFamily="2" charset="-122"/>
+                    <a:cs typeface="Cambria Math" panose="02040503050406030204" charset="0"/>
+                  </a:rPr>
+                  <a:t>获得正确的解密</a:t>
+                </a:r>
+                <a:endParaRPr lang="en-US" altLang="zh-CN" i="1" dirty="0">
+                  <a:latin typeface="Cambria Math" panose="02040503050406030204" charset="0"/>
+                  <a:ea typeface="宋体" panose="02010600030101010101" pitchFamily="2" charset="-122"/>
+                  <a:cs typeface="Cambria Math" panose="02040503050406030204" charset="0"/>
+                </a:endParaRPr>
+              </a:p>
+              <a:p>
+                <a:pPr marL="0" lvl="0" indent="0">
+                  <a:buNone/>
+                </a:pPr>
+                <a:endParaRPr lang="zh-CN" altLang="en-US" dirty="0">
+                  <a:solidFill>
+                    <a:schemeClr val="tx1"/>
+                  </a:solidFill>
+                  <a:latin typeface="Cambria Math" panose="02040503050406030204" charset="0"/>
+                  <a:ea typeface="宋体" panose="02010600030101010101" pitchFamily="2" charset="-122"/>
+                  <a:cs typeface="Cambria Math" panose="02040503050406030204" charset="0"/>
+                </a:endParaRPr>
+              </a:p>
+              <a:p>
+                <a:pPr marL="0" lvl="0" indent="0">
+                  <a:buNone/>
+                </a:pPr>
+                <a:endParaRPr lang="en-US" altLang="zh-CN" dirty="0">
+                  <a:solidFill>
+                    <a:schemeClr val="tx1"/>
+                  </a:solidFill>
+                  <a:latin typeface="Cambria Math" panose="02040503050406030204" charset="0"/>
+                  <a:ea typeface="宋体" panose="02010600030101010101" pitchFamily="2" charset="-122"/>
+                  <a:cs typeface="Cambria Math" panose="02040503050406030204" charset="0"/>
+                </a:endParaRPr>
+              </a:p>
+            </p:txBody>
+          </p:sp>
+        </mc:Choice>
+        <mc:Fallback>
+          <p:sp>
+            <p:nvSpPr>
+              <p:cNvPr id="29" name="文本框 28"/>
+              <p:cNvSpPr txBox="1">
+                <a:spLocks noRot="1" noChangeAspect="1" noMove="1" noResize="1" noEditPoints="1" noAdjustHandles="1" noChangeArrowheads="1" noChangeShapeType="1" noTextEdit="1"/>
+              </p:cNvSpPr>
+              <p:nvPr/>
+            </p:nvSpPr>
+            <p:spPr>
+              <a:xfrm>
+                <a:off x="6443980" y="2479040"/>
+                <a:ext cx="5632450" cy="3747135"/>
+              </a:xfrm>
+              <a:prstGeom prst="rect">
+                <a:avLst/>
+              </a:prstGeom>
+              <a:blipFill rotWithShape="1">
+                <a:blip r:embed="rId3"/>
+                <a:stretch>
+                  <a:fillRect/>
+                </a:stretch>
+              </a:blipFill>
+            </p:spPr>
+            <p:txBody>
+              <a:bodyPr/>
+              <a:lstStyle/>
+              <a:p>
+                <a:r>
+                  <a:rPr lang="zh-CN" altLang="en-US">
+                    <a:noFill/>
+                  </a:rPr>
+                  <a:t> </a:t>
+                </a:r>
+              </a:p>
+            </p:txBody>
+          </p:sp>
+        </mc:Fallback>
+      </mc:AlternateContent>
     </p:spTree>
   </p:cSld>
   <p:clrMapOvr>
@@ -14806,6 +15972,1989 @@
               <a:t>BGV12</a:t>
             </a:r>
             <a:endParaRPr lang="zh-CN" altLang="en-US" b="1" dirty="0">
+              <a:latin typeface="Times New Roman" panose="02020603050405020304" pitchFamily="18" charset="0"/>
+              <a:cs typeface="Times New Roman" panose="02020603050405020304" pitchFamily="18" charset="0"/>
+            </a:endParaRPr>
+          </a:p>
+        </p:txBody>
+      </p:sp>
+      <p:sp>
+        <p:nvSpPr>
+          <p:cNvPr id="2" name="文本框 1"/>
+          <p:cNvSpPr txBox="1"/>
+          <p:nvPr/>
+        </p:nvSpPr>
+        <p:spPr>
+          <a:xfrm>
+            <a:off x="1238885" y="1564005"/>
+            <a:ext cx="3437255" cy="368300"/>
+          </a:xfrm>
+          <a:prstGeom prst="rect">
+            <a:avLst/>
+          </a:prstGeom>
+          <a:noFill/>
+        </p:spPr>
+        <p:txBody>
+          <a:bodyPr wrap="square" rtlCol="0">
+            <a:spAutoFit/>
+          </a:bodyPr>
+          <a:p>
+            <a:r>
+              <a:rPr lang="en-US" altLang="zh-CN" b="1" dirty="0">
+                <a:latin typeface="Times New Roman" panose="02020603050405020304" pitchFamily="18" charset="0"/>
+                <a:cs typeface="Times New Roman" panose="02020603050405020304" pitchFamily="18" charset="0"/>
+              </a:rPr>
+              <a:t>LWE</a:t>
+            </a:r>
+            <a:r>
+              <a:rPr lang="zh-CN" altLang="en-US" b="1" dirty="0">
+                <a:latin typeface="Times New Roman" panose="02020603050405020304" pitchFamily="18" charset="0"/>
+                <a:cs typeface="Times New Roman" panose="02020603050405020304" pitchFamily="18" charset="0"/>
+              </a:rPr>
+              <a:t>问题（</a:t>
+            </a:r>
+            <a:r>
+              <a:rPr lang="en-US" altLang="zh-CN" b="1" dirty="0">
+                <a:latin typeface="Times New Roman" panose="02020603050405020304" pitchFamily="18" charset="0"/>
+                <a:cs typeface="Times New Roman" panose="02020603050405020304" pitchFamily="18" charset="0"/>
+              </a:rPr>
+              <a:t>Learning with errors</a:t>
+            </a:r>
+            <a:r>
+              <a:rPr lang="zh-CN" altLang="en-US" b="1" dirty="0">
+                <a:latin typeface="Times New Roman" panose="02020603050405020304" pitchFamily="18" charset="0"/>
+                <a:cs typeface="Times New Roman" panose="02020603050405020304" pitchFamily="18" charset="0"/>
+              </a:rPr>
+              <a:t>）</a:t>
+            </a:r>
+            <a:endParaRPr lang="en-US" altLang="zh-CN" b="1" dirty="0">
+              <a:latin typeface="Times New Roman" panose="02020603050405020304" pitchFamily="18" charset="0"/>
+              <a:cs typeface="Times New Roman" panose="02020603050405020304" pitchFamily="18" charset="0"/>
+            </a:endParaRPr>
+          </a:p>
+        </p:txBody>
+      </p:sp>
+      <mc:AlternateContent xmlns:mc="http://schemas.openxmlformats.org/markup-compatibility/2006">
+        <mc:Choice xmlns:a14="http://schemas.microsoft.com/office/drawing/2010/main" Requires="a14">
+          <p:sp>
+            <p:nvSpPr>
+              <p:cNvPr id="8" name="文本框 7"/>
+              <p:cNvSpPr txBox="1"/>
+              <p:nvPr/>
+            </p:nvSpPr>
+            <p:spPr>
+              <a:xfrm>
+                <a:off x="443230" y="1979295"/>
+                <a:ext cx="4700270" cy="1391285"/>
+              </a:xfrm>
+              <a:prstGeom prst="rect">
+                <a:avLst/>
+              </a:prstGeom>
+              <a:noFill/>
+            </p:spPr>
+            <p:txBody>
+              <a:bodyPr wrap="square" rtlCol="0">
+                <a:spAutoFit/>
+              </a:bodyPr>
+              <a:p>
+                <a:r>
+                  <a:rPr lang="zh-CN" altLang="en-US" dirty="0">
+                    <a:latin typeface="宋体" panose="02010600030101010101" pitchFamily="2" charset="-122"/>
+                    <a:ea typeface="宋体" panose="02010600030101010101" pitchFamily="2" charset="-122"/>
+                    <a:cs typeface="宋体" panose="02010600030101010101" pitchFamily="2" charset="-122"/>
+                  </a:rPr>
+                  <a:t>含有噪声的高斯</a:t>
+                </a:r>
+                <a:r>
+                  <a:rPr lang="zh-CN" altLang="en-US" dirty="0">
+                    <a:latin typeface="宋体" panose="02010600030101010101" pitchFamily="2" charset="-122"/>
+                    <a:ea typeface="宋体" panose="02010600030101010101" pitchFamily="2" charset="-122"/>
+                    <a:cs typeface="宋体" panose="02010600030101010101" pitchFamily="2" charset="-122"/>
+                  </a:rPr>
+                  <a:t>消元问题</a:t>
+                </a:r>
+                <a:endParaRPr lang="zh-CN" altLang="en-US" dirty="0">
+                  <a:latin typeface="宋体" panose="02010600030101010101" pitchFamily="2" charset="-122"/>
+                  <a:ea typeface="宋体" panose="02010600030101010101" pitchFamily="2" charset="-122"/>
+                  <a:cs typeface="宋体" panose="02010600030101010101" pitchFamily="2" charset="-122"/>
+                </a:endParaRPr>
+              </a:p>
+              <a:p>
+                <a14:m>
+                  <m:oMathPara xmlns:m="http://schemas.openxmlformats.org/officeDocument/2006/math">
+                    <m:oMathParaPr>
+                      <m:jc m:val="centerGroup"/>
+                    </m:oMathParaPr>
+                    <m:oMath xmlns:m="http://schemas.openxmlformats.org/officeDocument/2006/math">
+                      <m:acc>
+                        <m:accPr>
+                          <m:ctrlPr>
+                            <a:rPr lang="en-US" altLang="zh-CN" i="1" dirty="0">
+                              <a:latin typeface="Cambria Math" panose="02040503050406030204" charset="0"/>
+                              <a:ea typeface="宋体" panose="02010600030101010101" pitchFamily="2" charset="-122"/>
+                              <a:cs typeface="Cambria Math" panose="02040503050406030204" charset="0"/>
+                            </a:rPr>
+                          </m:ctrlPr>
+                        </m:accPr>
+                        <m:e>
+                          <m:r>
+                            <a:rPr lang="en-US" altLang="zh-CN" i="1" dirty="0">
+                              <a:latin typeface="Cambria Math" panose="02040503050406030204" charset="0"/>
+                              <a:ea typeface="宋体" panose="02010600030101010101" pitchFamily="2" charset="-122"/>
+                              <a:cs typeface="Cambria Math" panose="02040503050406030204" charset="0"/>
+                            </a:rPr>
+                            <m:t>b</m:t>
+                          </m:r>
+                        </m:e>
+                      </m:acc>
+                      <m:r>
+                        <a:rPr lang="en-US" altLang="zh-CN" i="1" dirty="0">
+                          <a:latin typeface="Cambria Math" panose="02040503050406030204" charset="0"/>
+                          <a:ea typeface="宋体" panose="02010600030101010101" pitchFamily="2" charset="-122"/>
+                          <a:cs typeface="Cambria Math" panose="02040503050406030204" charset="0"/>
+                        </a:rPr>
+                        <m:t>=</m:t>
+                      </m:r>
+                      <m:r>
+                        <a:rPr lang="en-US" altLang="zh-CN" i="1" dirty="0">
+                          <a:latin typeface="Cambria Math" panose="02040503050406030204" charset="0"/>
+                          <a:ea typeface="宋体" panose="02010600030101010101" pitchFamily="2" charset="-122"/>
+                          <a:cs typeface="Cambria Math" panose="02040503050406030204" charset="0"/>
+                        </a:rPr>
+                        <m:t>𝐴𝑠</m:t>
+                      </m:r>
+                      <m:r>
+                        <a:rPr lang="en-US" altLang="zh-CN" i="1" dirty="0">
+                          <a:latin typeface="Cambria Math" panose="02040503050406030204" charset="0"/>
+                          <a:ea typeface="宋体" panose="02010600030101010101" pitchFamily="2" charset="-122"/>
+                          <a:cs typeface="Cambria Math" panose="02040503050406030204" charset="0"/>
+                        </a:rPr>
+                        <m:t>+</m:t>
+                      </m:r>
+                      <m:r>
+                        <a:rPr lang="en-US" altLang="zh-CN" i="1" dirty="0">
+                          <a:latin typeface="Cambria Math" panose="02040503050406030204" charset="0"/>
+                          <a:ea typeface="宋体" panose="02010600030101010101" pitchFamily="2" charset="-122"/>
+                          <a:cs typeface="Cambria Math" panose="02040503050406030204" charset="0"/>
+                        </a:rPr>
+                        <m:t>𝑒</m:t>
+                      </m:r>
+                    </m:oMath>
+                  </m:oMathPara>
+                </a14:m>
+                <a:endParaRPr lang="en-US" altLang="zh-CN" i="1" dirty="0">
+                  <a:latin typeface="Cambria Math" panose="02040503050406030204" charset="0"/>
+                  <a:ea typeface="宋体" panose="02010600030101010101" pitchFamily="2" charset="-122"/>
+                  <a:cs typeface="Cambria Math" panose="02040503050406030204" charset="0"/>
+                </a:endParaRPr>
+              </a:p>
+              <a:p>
+                <a14:m>
+                  <m:oMathPara xmlns:m="http://schemas.openxmlformats.org/officeDocument/2006/math">
+                    <m:oMathParaPr>
+                      <m:jc m:val="centerGroup"/>
+                    </m:oMathParaPr>
+                    <m:oMath xmlns:m="http://schemas.openxmlformats.org/officeDocument/2006/math">
+                      <m:d>
+                        <m:dPr>
+                          <m:begChr m:val="["/>
+                          <m:endChr m:val="]"/>
+                          <m:ctrlPr>
+                            <a:rPr lang="en-US" altLang="zh-CN" i="1" dirty="0">
+                              <a:latin typeface="Cambria Math" panose="02040503050406030204" charset="0"/>
+                              <a:ea typeface="宋体" panose="02010600030101010101" pitchFamily="2" charset="-122"/>
+                              <a:cs typeface="Cambria Math" panose="02040503050406030204" charset="0"/>
+                            </a:rPr>
+                          </m:ctrlPr>
+                        </m:dPr>
+                        <m:e>
+                          <m:m>
+                            <m:mPr>
+                              <m:mcs>
+                                <m:mc>
+                                  <m:mcPr>
+                                    <m:count m:val="3"/>
+                                    <m:mcJc m:val="center"/>
+                                  </m:mcPr>
+                                </m:mc>
+                              </m:mcs>
+                              <m:ctrlPr>
+                                <a:rPr lang="en-US" altLang="zh-CN" i="1" dirty="0">
+                                  <a:latin typeface="Cambria Math" panose="02040503050406030204" charset="0"/>
+                                  <a:ea typeface="宋体" panose="02010600030101010101" pitchFamily="2" charset="-122"/>
+                                  <a:cs typeface="Cambria Math" panose="02040503050406030204" charset="0"/>
+                                </a:rPr>
+                              </m:ctrlPr>
+                            </m:mPr>
+                            <m:mr>
+                              <m:e>
+                                <m:r>
+                                  <a:rPr lang="en-US" altLang="zh-CN" i="1" dirty="0">
+                                    <a:latin typeface="Cambria Math" panose="02040503050406030204" charset="0"/>
+                                    <a:ea typeface="宋体" panose="02010600030101010101" pitchFamily="2" charset="-122"/>
+                                    <a:cs typeface="Cambria Math" panose="02040503050406030204" charset="0"/>
+                                  </a:rPr>
+                                  <m:t>3</m:t>
+                                </m:r>
+                              </m:e>
+                              <m:e>
+                                <m:r>
+                                  <a:rPr lang="en-US" altLang="zh-CN" i="1" dirty="0">
+                                    <a:latin typeface="Cambria Math" panose="02040503050406030204" charset="0"/>
+                                    <a:ea typeface="宋体" panose="02010600030101010101" pitchFamily="2" charset="-122"/>
+                                    <a:cs typeface="Cambria Math" panose="02040503050406030204" charset="0"/>
+                                  </a:rPr>
+                                  <m:t>4</m:t>
+                                </m:r>
+                              </m:e>
+                              <m:e>
+                                <m:r>
+                                  <a:rPr lang="en-US" altLang="zh-CN" i="1" dirty="0">
+                                    <a:latin typeface="Cambria Math" panose="02040503050406030204" charset="0"/>
+                                    <a:ea typeface="宋体" panose="02010600030101010101" pitchFamily="2" charset="-122"/>
+                                    <a:cs typeface="Cambria Math" panose="02040503050406030204" charset="0"/>
+                                  </a:rPr>
+                                  <m:t>1</m:t>
+                                </m:r>
+                              </m:e>
+                            </m:mr>
+                            <m:mr>
+                              <m:e>
+                                <m:r>
+                                  <a:rPr lang="en-US" altLang="zh-CN" i="1" dirty="0">
+                                    <a:latin typeface="Cambria Math" panose="02040503050406030204" charset="0"/>
+                                    <a:ea typeface="宋体" panose="02010600030101010101" pitchFamily="2" charset="-122"/>
+                                    <a:cs typeface="Cambria Math" panose="02040503050406030204" charset="0"/>
+                                  </a:rPr>
+                                  <m:t>4</m:t>
+                                </m:r>
+                              </m:e>
+                              <m:e>
+                                <m:r>
+                                  <a:rPr lang="en-US" altLang="zh-CN" i="1" dirty="0">
+                                    <a:latin typeface="Cambria Math" panose="02040503050406030204" charset="0"/>
+                                    <a:ea typeface="宋体" panose="02010600030101010101" pitchFamily="2" charset="-122"/>
+                                    <a:cs typeface="Cambria Math" panose="02040503050406030204" charset="0"/>
+                                  </a:rPr>
+                                  <m:t>2</m:t>
+                                </m:r>
+                              </m:e>
+                              <m:e>
+                                <m:r>
+                                  <a:rPr lang="en-US" altLang="zh-CN" i="1" dirty="0">
+                                    <a:latin typeface="Cambria Math" panose="02040503050406030204" charset="0"/>
+                                    <a:ea typeface="宋体" panose="02010600030101010101" pitchFamily="2" charset="-122"/>
+                                    <a:cs typeface="Cambria Math" panose="02040503050406030204" charset="0"/>
+                                  </a:rPr>
+                                  <m:t>6</m:t>
+                                </m:r>
+                              </m:e>
+                            </m:mr>
+                            <m:mr>
+                              <m:e>
+                                <m:r>
+                                  <a:rPr lang="en-US" altLang="zh-CN" i="1" dirty="0">
+                                    <a:latin typeface="Cambria Math" panose="02040503050406030204" charset="0"/>
+                                    <a:ea typeface="宋体" panose="02010600030101010101" pitchFamily="2" charset="-122"/>
+                                    <a:cs typeface="Cambria Math" panose="02040503050406030204" charset="0"/>
+                                  </a:rPr>
+                                  <m:t>1</m:t>
+                                </m:r>
+                              </m:e>
+                              <m:e>
+                                <m:r>
+                                  <a:rPr lang="en-US" altLang="zh-CN" i="1" dirty="0">
+                                    <a:latin typeface="Cambria Math" panose="02040503050406030204" charset="0"/>
+                                    <a:ea typeface="宋体" panose="02010600030101010101" pitchFamily="2" charset="-122"/>
+                                    <a:cs typeface="Cambria Math" panose="02040503050406030204" charset="0"/>
+                                  </a:rPr>
+                                  <m:t>1</m:t>
+                                </m:r>
+                              </m:e>
+                              <m:e>
+                                <m:r>
+                                  <a:rPr lang="en-US" altLang="zh-CN" i="1" dirty="0">
+                                    <a:latin typeface="Cambria Math" panose="02040503050406030204" charset="0"/>
+                                    <a:ea typeface="宋体" panose="02010600030101010101" pitchFamily="2" charset="-122"/>
+                                    <a:cs typeface="Cambria Math" panose="02040503050406030204" charset="0"/>
+                                  </a:rPr>
+                                  <m:t>1</m:t>
+                                </m:r>
+                              </m:e>
+                            </m:mr>
+                          </m:m>
+                        </m:e>
+                      </m:d>
+                      <m:d>
+                        <m:dPr>
+                          <m:begChr m:val="["/>
+                          <m:endChr m:val="]"/>
+                          <m:ctrlPr>
+                            <a:rPr lang="en-US" altLang="zh-CN" i="1" dirty="0">
+                              <a:latin typeface="Cambria Math" panose="02040503050406030204" charset="0"/>
+                              <a:ea typeface="宋体" panose="02010600030101010101" pitchFamily="2" charset="-122"/>
+                              <a:cs typeface="Cambria Math" panose="02040503050406030204" charset="0"/>
+                            </a:rPr>
+                          </m:ctrlPr>
+                        </m:dPr>
+                        <m:e>
+                          <m:m>
+                            <m:mPr>
+                              <m:mcs>
+                                <m:mc>
+                                  <m:mcPr>
+                                    <m:count m:val="1"/>
+                                    <m:mcJc m:val="center"/>
+                                  </m:mcPr>
+                                </m:mc>
+                              </m:mcs>
+                              <m:ctrlPr>
+                                <a:rPr lang="en-US" altLang="zh-CN" i="1" dirty="0">
+                                  <a:latin typeface="Cambria Math" panose="02040503050406030204" charset="0"/>
+                                  <a:ea typeface="宋体" panose="02010600030101010101" pitchFamily="2" charset="-122"/>
+                                  <a:cs typeface="Cambria Math" panose="02040503050406030204" charset="0"/>
+                                </a:rPr>
+                              </m:ctrlPr>
+                            </m:mPr>
+                            <m:mr>
+                              <m:e>
+                                <m:sSub>
+                                  <m:sSubPr>
+                                    <m:ctrlPr>
+                                      <a:rPr lang="en-US" altLang="zh-CN" i="1" dirty="0">
+                                        <a:latin typeface="Cambria Math" panose="02040503050406030204" charset="0"/>
+                                        <a:ea typeface="宋体" panose="02010600030101010101" pitchFamily="2" charset="-122"/>
+                                        <a:cs typeface="Cambria Math" panose="02040503050406030204" charset="0"/>
+                                      </a:rPr>
+                                    </m:ctrlPr>
+                                  </m:sSubPr>
+                                  <m:e>
+                                    <m:r>
+                                      <a:rPr lang="en-US" altLang="zh-CN" i="1" dirty="0">
+                                        <a:latin typeface="Cambria Math" panose="02040503050406030204" charset="0"/>
+                                        <a:ea typeface="宋体" panose="02010600030101010101" pitchFamily="2" charset="-122"/>
+                                        <a:cs typeface="Cambria Math" panose="02040503050406030204" charset="0"/>
+                                      </a:rPr>
+                                      <m:t>𝑥</m:t>
+                                    </m:r>
+                                  </m:e>
+                                  <m:sub>
+                                    <m:r>
+                                      <a:rPr lang="en-US" altLang="zh-CN" i="1" dirty="0">
+                                        <a:latin typeface="Cambria Math" panose="02040503050406030204" charset="0"/>
+                                        <a:ea typeface="宋体" panose="02010600030101010101" pitchFamily="2" charset="-122"/>
+                                        <a:cs typeface="Cambria Math" panose="02040503050406030204" charset="0"/>
+                                      </a:rPr>
+                                      <m:t>1</m:t>
+                                    </m:r>
+                                  </m:sub>
+                                </m:sSub>
+                              </m:e>
+                            </m:mr>
+                            <m:mr>
+                              <m:e>
+                                <m:sSub>
+                                  <m:sSubPr>
+                                    <m:ctrlPr>
+                                      <a:rPr lang="en-US" altLang="zh-CN" i="1" dirty="0">
+                                        <a:latin typeface="Cambria Math" panose="02040503050406030204" charset="0"/>
+                                        <a:ea typeface="宋体" panose="02010600030101010101" pitchFamily="2" charset="-122"/>
+                                        <a:cs typeface="Cambria Math" panose="02040503050406030204" charset="0"/>
+                                      </a:rPr>
+                                    </m:ctrlPr>
+                                  </m:sSubPr>
+                                  <m:e>
+                                    <m:r>
+                                      <a:rPr lang="en-US" altLang="zh-CN" i="1" dirty="0">
+                                        <a:latin typeface="Cambria Math" panose="02040503050406030204" charset="0"/>
+                                        <a:ea typeface="宋体" panose="02010600030101010101" pitchFamily="2" charset="-122"/>
+                                        <a:cs typeface="Cambria Math" panose="02040503050406030204" charset="0"/>
+                                      </a:rPr>
+                                      <m:t>𝑥</m:t>
+                                    </m:r>
+                                  </m:e>
+                                  <m:sub>
+                                    <m:r>
+                                      <a:rPr lang="en-US" altLang="zh-CN" i="1" dirty="0">
+                                        <a:latin typeface="Cambria Math" panose="02040503050406030204" charset="0"/>
+                                        <a:ea typeface="宋体" panose="02010600030101010101" pitchFamily="2" charset="-122"/>
+                                        <a:cs typeface="Cambria Math" panose="02040503050406030204" charset="0"/>
+                                      </a:rPr>
+                                      <m:t>2</m:t>
+                                    </m:r>
+                                  </m:sub>
+                                </m:sSub>
+                              </m:e>
+                            </m:mr>
+                            <m:mr>
+                              <m:e>
+                                <m:sSub>
+                                  <m:sSubPr>
+                                    <m:ctrlPr>
+                                      <a:rPr lang="en-US" altLang="zh-CN" i="1" dirty="0">
+                                        <a:latin typeface="Cambria Math" panose="02040503050406030204" charset="0"/>
+                                        <a:ea typeface="宋体" panose="02010600030101010101" pitchFamily="2" charset="-122"/>
+                                        <a:cs typeface="Cambria Math" panose="02040503050406030204" charset="0"/>
+                                      </a:rPr>
+                                    </m:ctrlPr>
+                                  </m:sSubPr>
+                                  <m:e>
+                                    <m:r>
+                                      <a:rPr lang="en-US" altLang="zh-CN" i="1" dirty="0">
+                                        <a:latin typeface="Cambria Math" panose="02040503050406030204" charset="0"/>
+                                        <a:ea typeface="宋体" panose="02010600030101010101" pitchFamily="2" charset="-122"/>
+                                        <a:cs typeface="Cambria Math" panose="02040503050406030204" charset="0"/>
+                                      </a:rPr>
+                                      <m:t>𝑥</m:t>
+                                    </m:r>
+                                  </m:e>
+                                  <m:sub>
+                                    <m:r>
+                                      <a:rPr lang="en-US" altLang="zh-CN" i="1" dirty="0">
+                                        <a:latin typeface="Cambria Math" panose="02040503050406030204" charset="0"/>
+                                        <a:ea typeface="宋体" panose="02010600030101010101" pitchFamily="2" charset="-122"/>
+                                        <a:cs typeface="Cambria Math" panose="02040503050406030204" charset="0"/>
+                                      </a:rPr>
+                                      <m:t>3</m:t>
+                                    </m:r>
+                                  </m:sub>
+                                </m:sSub>
+                              </m:e>
+                            </m:mr>
+                          </m:m>
+                        </m:e>
+                      </m:d>
+                      <m:r>
+                        <a:rPr lang="en-US" altLang="zh-CN" i="1" dirty="0">
+                          <a:latin typeface="Cambria Math" panose="02040503050406030204" charset="0"/>
+                          <a:ea typeface="宋体" panose="02010600030101010101" pitchFamily="2" charset="-122"/>
+                          <a:cs typeface="Cambria Math" panose="02040503050406030204" charset="0"/>
+                        </a:rPr>
+                        <m:t>+</m:t>
+                      </m:r>
+                      <m:acc>
+                        <m:accPr>
+                          <m:ctrlPr>
+                            <a:rPr lang="en-US" altLang="zh-CN" i="1" dirty="0">
+                              <a:latin typeface="Cambria Math" panose="02040503050406030204" charset="0"/>
+                              <a:ea typeface="宋体" panose="02010600030101010101" pitchFamily="2" charset="-122"/>
+                              <a:cs typeface="Cambria Math" panose="02040503050406030204" charset="0"/>
+                            </a:rPr>
+                          </m:ctrlPr>
+                        </m:accPr>
+                        <m:e>
+                          <m:r>
+                            <a:rPr lang="en-US" altLang="zh-CN" i="1" dirty="0">
+                              <a:latin typeface="Cambria Math" panose="02040503050406030204" charset="0"/>
+                              <a:ea typeface="宋体" panose="02010600030101010101" pitchFamily="2" charset="-122"/>
+                              <a:cs typeface="Cambria Math" panose="02040503050406030204" charset="0"/>
+                            </a:rPr>
+                            <m:t>𝑒</m:t>
+                          </m:r>
+                        </m:e>
+                      </m:acc>
+                      <m:r>
+                        <a:rPr lang="en-US" altLang="zh-CN" i="1" dirty="0">
+                          <a:latin typeface="Cambria Math" panose="02040503050406030204" charset="0"/>
+                          <a:ea typeface="宋体" panose="02010600030101010101" pitchFamily="2" charset="-122"/>
+                          <a:cs typeface="Cambria Math" panose="02040503050406030204" charset="0"/>
+                        </a:rPr>
+                        <m:t>=</m:t>
+                      </m:r>
+                      <m:d>
+                        <m:dPr>
+                          <m:begChr m:val="["/>
+                          <m:endChr m:val="]"/>
+                          <m:ctrlPr>
+                            <a:rPr lang="en-US" altLang="zh-CN" i="1" dirty="0">
+                              <a:latin typeface="Cambria Math" panose="02040503050406030204" charset="0"/>
+                              <a:ea typeface="宋体" panose="02010600030101010101" pitchFamily="2" charset="-122"/>
+                              <a:cs typeface="Cambria Math" panose="02040503050406030204" charset="0"/>
+                            </a:rPr>
+                          </m:ctrlPr>
+                        </m:dPr>
+                        <m:e>
+                          <m:m>
+                            <m:mPr>
+                              <m:mcs>
+                                <m:mc>
+                                  <m:mcPr>
+                                    <m:count m:val="1"/>
+                                    <m:mcJc m:val="center"/>
+                                  </m:mcPr>
+                                </m:mc>
+                              </m:mcs>
+                              <m:ctrlPr>
+                                <a:rPr lang="en-US" altLang="zh-CN" i="1" dirty="0">
+                                  <a:latin typeface="Cambria Math" panose="02040503050406030204" charset="0"/>
+                                  <a:ea typeface="宋体" panose="02010600030101010101" pitchFamily="2" charset="-122"/>
+                                  <a:cs typeface="Cambria Math" panose="02040503050406030204" charset="0"/>
+                                </a:rPr>
+                              </m:ctrlPr>
+                            </m:mPr>
+                            <m:mr>
+                              <m:e>
+                                <m:r>
+                                  <a:rPr lang="en-US" altLang="zh-CN" i="1" dirty="0">
+                                    <a:latin typeface="Cambria Math" panose="02040503050406030204" charset="0"/>
+                                    <a:ea typeface="宋体" panose="02010600030101010101" pitchFamily="2" charset="-122"/>
+                                    <a:cs typeface="Cambria Math" panose="02040503050406030204" charset="0"/>
+                                  </a:rPr>
+                                  <m:t>0</m:t>
+                                </m:r>
+                              </m:e>
+                            </m:mr>
+                            <m:mr>
+                              <m:e>
+                                <m:r>
+                                  <a:rPr lang="en-US" altLang="zh-CN" i="1" dirty="0">
+                                    <a:latin typeface="Cambria Math" panose="02040503050406030204" charset="0"/>
+                                    <a:ea typeface="宋体" panose="02010600030101010101" pitchFamily="2" charset="-122"/>
+                                    <a:cs typeface="Cambria Math" panose="02040503050406030204" charset="0"/>
+                                  </a:rPr>
+                                  <m:t>1</m:t>
+                                </m:r>
+                              </m:e>
+                            </m:mr>
+                            <m:mr>
+                              <m:e>
+                                <m:r>
+                                  <a:rPr lang="en-US" altLang="zh-CN" i="1" dirty="0">
+                                    <a:latin typeface="Cambria Math" panose="02040503050406030204" charset="0"/>
+                                    <a:ea typeface="宋体" panose="02010600030101010101" pitchFamily="2" charset="-122"/>
+                                    <a:cs typeface="Cambria Math" panose="02040503050406030204" charset="0"/>
+                                  </a:rPr>
+                                  <m:t>1</m:t>
+                                </m:r>
+                              </m:e>
+                            </m:mr>
+                          </m:m>
+                        </m:e>
+                      </m:d>
+                    </m:oMath>
+                  </m:oMathPara>
+                </a14:m>
+                <a:endParaRPr lang="zh-CN" altLang="en-US" dirty="0">
+                  <a:latin typeface="宋体" panose="02010600030101010101" pitchFamily="2" charset="-122"/>
+                  <a:ea typeface="宋体" panose="02010600030101010101" pitchFamily="2" charset="-122"/>
+                  <a:cs typeface="宋体" panose="02010600030101010101" pitchFamily="2" charset="-122"/>
+                </a:endParaRPr>
+              </a:p>
+            </p:txBody>
+          </p:sp>
+        </mc:Choice>
+        <mc:Fallback>
+          <p:sp>
+            <p:nvSpPr>
+              <p:cNvPr id="8" name="文本框 7"/>
+              <p:cNvSpPr txBox="1">
+                <a:spLocks noRot="1" noChangeAspect="1" noMove="1" noResize="1" noEditPoints="1" noAdjustHandles="1" noChangeArrowheads="1" noChangeShapeType="1" noTextEdit="1"/>
+              </p:cNvSpPr>
+              <p:nvPr/>
+            </p:nvSpPr>
+            <p:spPr>
+              <a:xfrm>
+                <a:off x="443230" y="1979295"/>
+                <a:ext cx="4700270" cy="1391285"/>
+              </a:xfrm>
+              <a:prstGeom prst="rect">
+                <a:avLst/>
+              </a:prstGeom>
+              <a:blipFill rotWithShape="1">
+                <a:blip r:embed="rId2"/>
+                <a:stretch>
+                  <a:fillRect/>
+                </a:stretch>
+              </a:blipFill>
+            </p:spPr>
+            <p:txBody>
+              <a:bodyPr/>
+              <a:lstStyle/>
+              <a:p>
+                <a:r>
+                  <a:rPr lang="zh-CN" altLang="en-US">
+                    <a:noFill/>
+                  </a:rPr>
+                  <a:t> </a:t>
+                </a:r>
+              </a:p>
+            </p:txBody>
+          </p:sp>
+        </mc:Fallback>
+      </mc:AlternateContent>
+      <p:sp>
+        <p:nvSpPr>
+          <p:cNvPr id="5" name="下箭头 4"/>
+          <p:cNvSpPr/>
+          <p:nvPr/>
+        </p:nvSpPr>
+        <p:spPr>
+          <a:xfrm>
+            <a:off x="2496820" y="3479165"/>
+            <a:ext cx="539750" cy="467360"/>
+          </a:xfrm>
+          <a:prstGeom prst="downArrow">
+            <a:avLst/>
+          </a:prstGeom>
+        </p:spPr>
+        <p:style>
+          <a:lnRef idx="2">
+            <a:schemeClr val="accent1">
+              <a:lumMod val="75000"/>
+            </a:schemeClr>
+          </a:lnRef>
+          <a:fillRef idx="1">
+            <a:schemeClr val="accent1"/>
+          </a:fillRef>
+          <a:effectRef idx="0">
+            <a:srgbClr val="FFFFFF"/>
+          </a:effectRef>
+          <a:fontRef idx="minor">
+            <a:schemeClr val="lt1"/>
+          </a:fontRef>
+        </p:style>
+        <p:txBody>
+          <a:bodyPr rtlCol="0" anchor="ctr"/>
+          <a:p>
+            <a:pPr algn="ctr"/>
+            <a:endParaRPr lang="zh-CN" altLang="en-US"/>
+          </a:p>
+        </p:txBody>
+      </p:sp>
+      <p:sp>
+        <p:nvSpPr>
+          <p:cNvPr id="9" name="下箭头 8"/>
+          <p:cNvSpPr/>
+          <p:nvPr/>
+        </p:nvSpPr>
+        <p:spPr>
+          <a:xfrm>
+            <a:off x="2496820" y="5493385"/>
+            <a:ext cx="539750" cy="467360"/>
+          </a:xfrm>
+          <a:prstGeom prst="downArrow">
+            <a:avLst/>
+          </a:prstGeom>
+        </p:spPr>
+        <p:style>
+          <a:lnRef idx="2">
+            <a:schemeClr val="accent1">
+              <a:lumMod val="75000"/>
+            </a:schemeClr>
+          </a:lnRef>
+          <a:fillRef idx="1">
+            <a:schemeClr val="accent1"/>
+          </a:fillRef>
+          <a:effectRef idx="0">
+            <a:srgbClr val="FFFFFF"/>
+          </a:effectRef>
+          <a:fontRef idx="minor">
+            <a:schemeClr val="lt1"/>
+          </a:fontRef>
+        </p:style>
+        <p:txBody>
+          <a:bodyPr rtlCol="0" anchor="ctr"/>
+          <a:p>
+            <a:pPr algn="ctr"/>
+            <a:endParaRPr lang="zh-CN" altLang="en-US"/>
+          </a:p>
+        </p:txBody>
+      </p:sp>
+      <p:sp>
+        <p:nvSpPr>
+          <p:cNvPr id="10" name="文本框 9"/>
+          <p:cNvSpPr txBox="1"/>
+          <p:nvPr/>
+        </p:nvSpPr>
+        <p:spPr>
+          <a:xfrm>
+            <a:off x="3036570" y="5589270"/>
+            <a:ext cx="1261110" cy="275590"/>
+          </a:xfrm>
+          <a:prstGeom prst="rect">
+            <a:avLst/>
+          </a:prstGeom>
+          <a:noFill/>
+        </p:spPr>
+        <p:txBody>
+          <a:bodyPr wrap="square" rtlCol="0">
+            <a:spAutoFit/>
+          </a:bodyPr>
+          <a:p>
+            <a:r>
+              <a:rPr lang="zh-CN" altLang="en-US" sz="1200" dirty="0">
+                <a:latin typeface="宋体" panose="02010600030101010101" pitchFamily="2" charset="-122"/>
+                <a:ea typeface="宋体" panose="02010600030101010101" pitchFamily="2" charset="-122"/>
+                <a:cs typeface="宋体" panose="02010600030101010101" pitchFamily="2" charset="-122"/>
+              </a:rPr>
+              <a:t>规约</a:t>
+            </a:r>
+            <a:r>
+              <a:rPr lang="zh-CN" altLang="en-US" sz="1200" dirty="0">
+                <a:latin typeface="宋体" panose="02010600030101010101" pitchFamily="2" charset="-122"/>
+                <a:ea typeface="宋体" panose="02010600030101010101" pitchFamily="2" charset="-122"/>
+                <a:cs typeface="宋体" panose="02010600030101010101" pitchFamily="2" charset="-122"/>
+              </a:rPr>
+              <a:t>为</a:t>
+            </a:r>
+            <a:endParaRPr lang="zh-CN" altLang="en-US" sz="1200" dirty="0">
+              <a:latin typeface="宋体" panose="02010600030101010101" pitchFamily="2" charset="-122"/>
+              <a:ea typeface="宋体" panose="02010600030101010101" pitchFamily="2" charset="-122"/>
+              <a:cs typeface="宋体" panose="02010600030101010101" pitchFamily="2" charset="-122"/>
+            </a:endParaRPr>
+          </a:p>
+        </p:txBody>
+      </p:sp>
+      <p:sp>
+        <p:nvSpPr>
+          <p:cNvPr id="11" name="文本框 10"/>
+          <p:cNvSpPr txBox="1"/>
+          <p:nvPr/>
+        </p:nvSpPr>
+        <p:spPr>
+          <a:xfrm>
+            <a:off x="443230" y="6017895"/>
+            <a:ext cx="4450080" cy="368300"/>
+          </a:xfrm>
+          <a:prstGeom prst="rect">
+            <a:avLst/>
+          </a:prstGeom>
+          <a:noFill/>
+        </p:spPr>
+        <p:txBody>
+          <a:bodyPr wrap="square" rtlCol="0">
+            <a:spAutoFit/>
+          </a:bodyPr>
+          <a:p>
+            <a:r>
+              <a:rPr lang="zh-CN" altLang="en-US" dirty="0">
+                <a:latin typeface="宋体" panose="02010600030101010101" pitchFamily="2" charset="-122"/>
+                <a:ea typeface="宋体" panose="02010600030101010101" pitchFamily="2" charset="-122"/>
+                <a:cs typeface="宋体" panose="02010600030101010101" pitchFamily="2" charset="-122"/>
+              </a:rPr>
+              <a:t>格上</a:t>
+            </a:r>
+            <a:r>
+              <a:rPr lang="en-US" altLang="zh-CN" dirty="0">
+                <a:latin typeface="Times New Roman" panose="02020603050405020304" pitchFamily="18" charset="0"/>
+                <a:ea typeface="宋体" panose="02010600030101010101" pitchFamily="2" charset="-122"/>
+                <a:cs typeface="Times New Roman" panose="02020603050405020304" pitchFamily="18" charset="0"/>
+              </a:rPr>
+              <a:t>CVP</a:t>
+            </a:r>
+            <a:r>
+              <a:rPr lang="zh-CN" altLang="en-US" dirty="0">
+                <a:latin typeface="宋体" panose="02010600030101010101" pitchFamily="2" charset="-122"/>
+                <a:ea typeface="宋体" panose="02010600030101010101" pitchFamily="2" charset="-122"/>
+                <a:cs typeface="宋体" panose="02010600030101010101" pitchFamily="2" charset="-122"/>
+              </a:rPr>
+              <a:t>问题</a:t>
+            </a:r>
+            <a:r>
+              <a:rPr lang="en-US" altLang="zh-CN" dirty="0">
+                <a:latin typeface="宋体" panose="02010600030101010101" pitchFamily="2" charset="-122"/>
+                <a:ea typeface="宋体" panose="02010600030101010101" pitchFamily="2" charset="-122"/>
+                <a:cs typeface="宋体" panose="02010600030101010101" pitchFamily="2" charset="-122"/>
+              </a:rPr>
+              <a:t>(</a:t>
+            </a:r>
+            <a:r>
+              <a:rPr lang="en-US" altLang="zh-CN" dirty="0">
+                <a:latin typeface="Times New Roman" panose="02020603050405020304" pitchFamily="18" charset="0"/>
+                <a:ea typeface="宋体" panose="02010600030101010101" pitchFamily="2" charset="-122"/>
+                <a:cs typeface="Times New Roman" panose="02020603050405020304" pitchFamily="18" charset="0"/>
+              </a:rPr>
+              <a:t>Closest vector problem</a:t>
+            </a:r>
+            <a:r>
+              <a:rPr lang="en-US" altLang="zh-CN" dirty="0">
+                <a:latin typeface="宋体" panose="02010600030101010101" pitchFamily="2" charset="-122"/>
+                <a:ea typeface="宋体" panose="02010600030101010101" pitchFamily="2" charset="-122"/>
+                <a:cs typeface="宋体" panose="02010600030101010101" pitchFamily="2" charset="-122"/>
+              </a:rPr>
+              <a:t>)</a:t>
+            </a:r>
+            <a:endParaRPr lang="en-US" altLang="zh-CN" dirty="0">
+              <a:latin typeface="宋体" panose="02010600030101010101" pitchFamily="2" charset="-122"/>
+              <a:ea typeface="宋体" panose="02010600030101010101" pitchFamily="2" charset="-122"/>
+              <a:cs typeface="宋体" panose="02010600030101010101" pitchFamily="2" charset="-122"/>
+            </a:endParaRPr>
+          </a:p>
+        </p:txBody>
+      </p:sp>
+      <p:sp>
+        <p:nvSpPr>
+          <p:cNvPr id="12" name="矩形 11"/>
+          <p:cNvSpPr/>
+          <p:nvPr/>
+        </p:nvSpPr>
+        <p:spPr>
+          <a:xfrm>
+            <a:off x="3669030" y="5501005"/>
+            <a:ext cx="2072640" cy="375920"/>
+          </a:xfrm>
+          <a:prstGeom prst="rect">
+            <a:avLst/>
+          </a:prstGeom>
+          <a:noFill/>
+          <a:ln>
+            <a:noFill/>
+          </a:ln>
+        </p:spPr>
+        <p:txBody>
+          <a:bodyPr wrap="none" rtlCol="0" anchor="t">
+            <a:noAutofit/>
+          </a:bodyPr>
+          <a:p>
+            <a:pPr algn="ctr"/>
+            <a:r>
+              <a:rPr lang="en-US" altLang="zh-CN" sz="3200" b="1">
+                <a:ln w="22225">
+                  <a:solidFill>
+                    <a:schemeClr val="accent2"/>
+                  </a:solidFill>
+                  <a:prstDash val="solid"/>
+                </a:ln>
+                <a:solidFill>
+                  <a:schemeClr val="accent2">
+                    <a:lumMod val="40000"/>
+                    <a:lumOff val="60000"/>
+                  </a:schemeClr>
+                </a:solidFill>
+                <a:effectLst/>
+              </a:rPr>
+              <a:t>NP-hard</a:t>
+            </a:r>
+            <a:r>
+              <a:rPr lang="zh-CN" altLang="en-US" sz="3200" b="1">
+                <a:ln w="22225">
+                  <a:solidFill>
+                    <a:schemeClr val="accent2"/>
+                  </a:solidFill>
+                  <a:prstDash val="solid"/>
+                </a:ln>
+                <a:solidFill>
+                  <a:schemeClr val="accent2">
+                    <a:lumMod val="40000"/>
+                    <a:lumOff val="60000"/>
+                  </a:schemeClr>
+                </a:solidFill>
+                <a:effectLst/>
+              </a:rPr>
+              <a:t>！</a:t>
+            </a:r>
+            <a:endParaRPr lang="zh-CN" altLang="en-US" sz="3200" b="1">
+              <a:ln w="22225">
+                <a:solidFill>
+                  <a:schemeClr val="accent2"/>
+                </a:solidFill>
+                <a:prstDash val="solid"/>
+              </a:ln>
+              <a:solidFill>
+                <a:schemeClr val="accent2">
+                  <a:lumMod val="40000"/>
+                  <a:lumOff val="60000"/>
+                </a:schemeClr>
+              </a:solidFill>
+              <a:effectLst/>
+            </a:endParaRPr>
+          </a:p>
+        </p:txBody>
+      </p:sp>
+      <p:pic>
+        <p:nvPicPr>
+          <p:cNvPr id="13" name="图片 12"/>
+          <p:cNvPicPr>
+            <a:picLocks noChangeAspect="1"/>
+          </p:cNvPicPr>
+          <p:nvPr/>
+        </p:nvPicPr>
+        <p:blipFill>
+          <a:blip r:embed="rId3"/>
+          <a:stretch>
+            <a:fillRect/>
+          </a:stretch>
+        </p:blipFill>
+        <p:spPr>
+          <a:xfrm>
+            <a:off x="0" y="4188460"/>
+            <a:ext cx="6467475" cy="1304925"/>
+          </a:xfrm>
+          <a:prstGeom prst="rect">
+            <a:avLst/>
+          </a:prstGeom>
+        </p:spPr>
+      </p:pic>
+      <p:sp>
+        <p:nvSpPr>
+          <p:cNvPr id="14" name="文本框 13"/>
+          <p:cNvSpPr txBox="1"/>
+          <p:nvPr/>
+        </p:nvSpPr>
+        <p:spPr>
+          <a:xfrm>
+            <a:off x="443230" y="3949065"/>
+            <a:ext cx="4450080" cy="645160"/>
+          </a:xfrm>
+          <a:prstGeom prst="rect">
+            <a:avLst/>
+          </a:prstGeom>
+          <a:noFill/>
+        </p:spPr>
+        <p:txBody>
+          <a:bodyPr wrap="square" rtlCol="0">
+            <a:spAutoFit/>
+          </a:bodyPr>
+          <a:p>
+            <a:r>
+              <a:rPr dirty="0">
+                <a:latin typeface="宋体" panose="02010600030101010101" pitchFamily="2" charset="-122"/>
+                <a:ea typeface="宋体" panose="02010600030101010101" pitchFamily="2" charset="-122"/>
+              </a:rPr>
+              <a:t>搜索</a:t>
+            </a:r>
+            <a:r>
+              <a:rPr dirty="0">
+                <a:latin typeface="Times New Roman" panose="02020603050405020304" pitchFamily="18" charset="0"/>
+                <a:ea typeface="宋体" panose="02010600030101010101" pitchFamily="2" charset="-122"/>
+                <a:cs typeface="Times New Roman" panose="02020603050405020304" pitchFamily="18" charset="0"/>
+              </a:rPr>
+              <a:t>LWE</a:t>
+            </a:r>
+            <a:r>
+              <a:rPr dirty="0">
+                <a:latin typeface="宋体" panose="02010600030101010101" pitchFamily="2" charset="-122"/>
+                <a:ea typeface="宋体" panose="02010600030101010101" pitchFamily="2" charset="-122"/>
+              </a:rPr>
+              <a:t>问题</a:t>
+            </a:r>
+            <a:r>
+              <a:rPr lang="en-US" dirty="0">
+                <a:latin typeface="宋体" panose="02010600030101010101" pitchFamily="2" charset="-122"/>
+                <a:ea typeface="宋体" panose="02010600030101010101" pitchFamily="2" charset="-122"/>
+              </a:rPr>
+              <a:t>(</a:t>
+            </a:r>
+            <a:r>
+              <a:rPr dirty="0">
+                <a:latin typeface="Times New Roman" panose="02020603050405020304" pitchFamily="18" charset="0"/>
+                <a:ea typeface="宋体" panose="02010600030101010101" pitchFamily="2" charset="-122"/>
+                <a:cs typeface="Times New Roman" panose="02020603050405020304" pitchFamily="18" charset="0"/>
+              </a:rPr>
+              <a:t>Search LWE Problem</a:t>
+            </a:r>
+            <a:r>
+              <a:rPr lang="en-US" altLang="zh-CN" dirty="0">
+                <a:latin typeface="宋体" panose="02010600030101010101" pitchFamily="2" charset="-122"/>
+                <a:ea typeface="宋体" panose="02010600030101010101" pitchFamily="2" charset="-122"/>
+                <a:cs typeface="宋体" panose="02010600030101010101" pitchFamily="2" charset="-122"/>
+                <a:sym typeface="+mn-ea"/>
+              </a:rPr>
+              <a:t>)</a:t>
+            </a:r>
+            <a:endParaRPr lang="en-US" altLang="zh-CN" dirty="0">
+              <a:latin typeface="宋体" panose="02010600030101010101" pitchFamily="2" charset="-122"/>
+              <a:ea typeface="宋体" panose="02010600030101010101" pitchFamily="2" charset="-122"/>
+              <a:cs typeface="宋体" panose="02010600030101010101" pitchFamily="2" charset="-122"/>
+            </a:endParaRPr>
+          </a:p>
+          <a:p>
+            <a:endParaRPr lang="en-US" dirty="0">
+              <a:latin typeface="Times New Roman" panose="02020603050405020304" pitchFamily="18" charset="0"/>
+              <a:ea typeface="宋体" panose="02010600030101010101" pitchFamily="2" charset="-122"/>
+              <a:cs typeface="Times New Roman" panose="02020603050405020304" pitchFamily="18" charset="0"/>
+            </a:endParaRPr>
+          </a:p>
+        </p:txBody>
+      </p:sp>
+      <p:cxnSp>
+        <p:nvCxnSpPr>
+          <p:cNvPr id="32" name="直接连接符 31"/>
+          <p:cNvCxnSpPr/>
+          <p:nvPr/>
+        </p:nvCxnSpPr>
+        <p:spPr>
+          <a:xfrm flipH="1">
+            <a:off x="5976620" y="436245"/>
+            <a:ext cx="6985" cy="6137910"/>
+          </a:xfrm>
+          <a:prstGeom prst="line">
+            <a:avLst/>
+          </a:prstGeom>
+          <a:ln>
+            <a:prstDash val="dash"/>
+          </a:ln>
+        </p:spPr>
+        <p:style>
+          <a:lnRef idx="2">
+            <a:schemeClr val="accent1"/>
+          </a:lnRef>
+          <a:fillRef idx="0">
+            <a:srgbClr val="FFFFFF"/>
+          </a:fillRef>
+          <a:effectRef idx="0">
+            <a:srgbClr val="FFFFFF"/>
+          </a:effectRef>
+          <a:fontRef idx="minor">
+            <a:schemeClr val="tx1"/>
+          </a:fontRef>
+        </p:style>
+      </p:cxnSp>
+      <p:sp>
+        <p:nvSpPr>
+          <p:cNvPr id="15" name="文本框 14"/>
+          <p:cNvSpPr txBox="1"/>
+          <p:nvPr/>
+        </p:nvSpPr>
+        <p:spPr>
+          <a:xfrm>
+            <a:off x="6313805" y="1564005"/>
+            <a:ext cx="5610860" cy="368300"/>
+          </a:xfrm>
+          <a:prstGeom prst="rect">
+            <a:avLst/>
+          </a:prstGeom>
+          <a:noFill/>
+        </p:spPr>
+        <p:txBody>
+          <a:bodyPr wrap="square" rtlCol="0">
+            <a:spAutoFit/>
+          </a:bodyPr>
+          <a:p>
+            <a:r>
+              <a:rPr lang="en-US" altLang="zh-CN" b="1" dirty="0">
+                <a:latin typeface="Times New Roman" panose="02020603050405020304" pitchFamily="18" charset="0"/>
+                <a:cs typeface="Times New Roman" panose="02020603050405020304" pitchFamily="18" charset="0"/>
+              </a:rPr>
+              <a:t>GLWE</a:t>
+            </a:r>
+            <a:r>
+              <a:rPr lang="zh-CN" altLang="en-US" b="1" dirty="0">
+                <a:latin typeface="Times New Roman" panose="02020603050405020304" pitchFamily="18" charset="0"/>
+                <a:cs typeface="Times New Roman" panose="02020603050405020304" pitchFamily="18" charset="0"/>
+              </a:rPr>
+              <a:t>问题（</a:t>
+            </a:r>
+            <a:r>
+              <a:rPr lang="en-US" altLang="zh-CN" b="1" dirty="0">
+                <a:latin typeface="Times New Roman" panose="02020603050405020304" pitchFamily="18" charset="0"/>
+                <a:cs typeface="Times New Roman" panose="02020603050405020304" pitchFamily="18" charset="0"/>
+              </a:rPr>
+              <a:t>General Learning with Errors  Problem</a:t>
+            </a:r>
+            <a:r>
+              <a:rPr lang="zh-CN" altLang="en-US" b="1" dirty="0">
+                <a:latin typeface="Times New Roman" panose="02020603050405020304" pitchFamily="18" charset="0"/>
+                <a:cs typeface="Times New Roman" panose="02020603050405020304" pitchFamily="18" charset="0"/>
+              </a:rPr>
+              <a:t>）</a:t>
+            </a:r>
+            <a:endParaRPr lang="en-US" altLang="zh-CN" b="1" dirty="0">
+              <a:latin typeface="Times New Roman" panose="02020603050405020304" pitchFamily="18" charset="0"/>
+              <a:cs typeface="Times New Roman" panose="02020603050405020304" pitchFamily="18" charset="0"/>
+            </a:endParaRPr>
+          </a:p>
+        </p:txBody>
+      </p:sp>
+      <p:pic>
+        <p:nvPicPr>
+          <p:cNvPr id="17" name="图片 16"/>
+          <p:cNvPicPr>
+            <a:picLocks noChangeAspect="1"/>
+          </p:cNvPicPr>
+          <p:nvPr/>
+        </p:nvPicPr>
+        <p:blipFill>
+          <a:blip r:embed="rId4"/>
+          <a:stretch>
+            <a:fillRect/>
+          </a:stretch>
+        </p:blipFill>
+        <p:spPr>
+          <a:xfrm>
+            <a:off x="6107430" y="1932305"/>
+            <a:ext cx="5892165" cy="743585"/>
+          </a:xfrm>
+          <a:prstGeom prst="rect">
+            <a:avLst/>
+          </a:prstGeom>
+        </p:spPr>
+      </p:pic>
+      <mc:AlternateContent xmlns:mc="http://schemas.openxmlformats.org/markup-compatibility/2006">
+        <mc:Choice xmlns:a14="http://schemas.microsoft.com/office/drawing/2010/main" Requires="a14">
+          <p:sp>
+            <p:nvSpPr>
+              <p:cNvPr id="18" name="文本框 17"/>
+              <p:cNvSpPr txBox="1"/>
+              <p:nvPr/>
+            </p:nvSpPr>
+            <p:spPr>
+              <a:xfrm>
+                <a:off x="6218555" y="2675890"/>
+                <a:ext cx="5524500" cy="1263650"/>
+              </a:xfrm>
+              <a:prstGeom prst="rect">
+                <a:avLst/>
+              </a:prstGeom>
+              <a:noFill/>
+            </p:spPr>
+            <p:txBody>
+              <a:bodyPr wrap="square" rtlCol="0">
+                <a:spAutoFit/>
+              </a:bodyPr>
+              <a:p>
+                <a:r>
+                  <a:rPr lang="en-US" dirty="0">
+                    <a:latin typeface="Times New Roman" panose="02020603050405020304" pitchFamily="18" charset="0"/>
+                    <a:ea typeface="宋体" panose="02010600030101010101" pitchFamily="2" charset="-122"/>
+                    <a:cs typeface="Times New Roman" panose="02020603050405020304" pitchFamily="18" charset="0"/>
+                  </a:rPr>
+                  <a:t>GLWE</a:t>
+                </a:r>
+                <a:r>
+                  <a:rPr lang="zh-CN" altLang="en-US" dirty="0">
+                    <a:latin typeface="Times New Roman" panose="02020603050405020304" pitchFamily="18" charset="0"/>
+                    <a:ea typeface="宋体" panose="02010600030101010101" pitchFamily="2" charset="-122"/>
+                    <a:cs typeface="Times New Roman" panose="02020603050405020304" pitchFamily="18" charset="0"/>
+                  </a:rPr>
+                  <a:t>问题要求我们进行两个分布的区分，第一个分布是从</a:t>
+                </a:r>
+                <a14:m>
+                  <m:oMath xmlns:m="http://schemas.openxmlformats.org/officeDocument/2006/math">
+                    <m:sSubSup>
+                      <m:sSubSupPr>
+                        <m:ctrlPr>
+                          <a:rPr lang="en-US" altLang="zh-CN" i="1" dirty="0">
+                            <a:latin typeface="Cambria Math" panose="02040503050406030204" charset="0"/>
+                            <a:ea typeface="宋体" panose="02010600030101010101" pitchFamily="2" charset="-122"/>
+                            <a:cs typeface="Cambria Math" panose="02040503050406030204" charset="0"/>
+                          </a:rPr>
+                        </m:ctrlPr>
+                      </m:sSubSupPr>
+                      <m:e>
+                        <m:r>
+                          <a:rPr lang="en-US" altLang="zh-CN" i="1" dirty="0">
+                            <a:latin typeface="Cambria Math" panose="02040503050406030204" charset="0"/>
+                            <a:ea typeface="宋体" panose="02010600030101010101" pitchFamily="2" charset="-122"/>
+                            <a:cs typeface="Cambria Math" panose="02040503050406030204" charset="0"/>
+                          </a:rPr>
+                          <m:t>𝑅</m:t>
+                        </m:r>
+                      </m:e>
+                      <m:sub>
+                        <m:r>
+                          <a:rPr lang="en-US" altLang="zh-CN" i="1" dirty="0">
+                            <a:latin typeface="Cambria Math" panose="02040503050406030204" charset="0"/>
+                            <a:ea typeface="宋体" panose="02010600030101010101" pitchFamily="2" charset="-122"/>
+                            <a:cs typeface="Cambria Math" panose="02040503050406030204" charset="0"/>
+                          </a:rPr>
+                          <m:t>q</m:t>
+                        </m:r>
+                      </m:sub>
+                      <m:sup>
+                        <m:r>
+                          <a:rPr lang="en-US" altLang="zh-CN" i="1" dirty="0">
+                            <a:latin typeface="Cambria Math" panose="02040503050406030204" charset="0"/>
+                            <a:ea typeface="宋体" panose="02010600030101010101" pitchFamily="2" charset="-122"/>
+                            <a:cs typeface="Cambria Math" panose="02040503050406030204" charset="0"/>
+                          </a:rPr>
+                          <m:t>n+</m:t>
+                        </m:r>
+                        <m:r>
+                          <a:rPr lang="en-US" altLang="zh-CN" i="1" dirty="0">
+                            <a:latin typeface="Cambria Math" panose="02040503050406030204" charset="0"/>
+                            <a:ea typeface="宋体" panose="02010600030101010101" pitchFamily="2" charset="-122"/>
+                            <a:cs typeface="Cambria Math" panose="02040503050406030204" charset="0"/>
+                          </a:rPr>
+                          <m:t>1</m:t>
+                        </m:r>
+                      </m:sup>
+                    </m:sSubSup>
+                  </m:oMath>
+                </a14:m>
+                <a:r>
+                  <a:rPr lang="zh-CN" altLang="en-US" dirty="0">
+                    <a:latin typeface="Times New Roman" panose="02020603050405020304" pitchFamily="18" charset="0"/>
+                    <a:ea typeface="宋体" panose="02010600030101010101" pitchFamily="2" charset="-122"/>
+                    <a:cs typeface="Times New Roman" panose="02020603050405020304" pitchFamily="18" charset="0"/>
+                  </a:rPr>
+                  <a:t>中均匀采样</a:t>
+                </a:r>
+                <a14:m>
+                  <m:oMath xmlns:m="http://schemas.openxmlformats.org/officeDocument/2006/math">
+                    <m:d>
+                      <m:dPr>
+                        <m:ctrlPr>
+                          <a:rPr lang="en-US" altLang="zh-CN" i="1" dirty="0">
+                            <a:latin typeface="Cambria Math" panose="02040503050406030204" charset="0"/>
+                            <a:ea typeface="宋体" panose="02010600030101010101" pitchFamily="2" charset="-122"/>
+                            <a:cs typeface="Cambria Math" panose="02040503050406030204" charset="0"/>
+                          </a:rPr>
+                        </m:ctrlPr>
+                      </m:dPr>
+                      <m:e>
+                        <m:sSub>
+                          <m:sSubPr>
+                            <m:ctrlPr>
+                              <a:rPr lang="en-US" altLang="zh-CN" i="1" dirty="0">
+                                <a:latin typeface="Cambria Math" panose="02040503050406030204" charset="0"/>
+                                <a:ea typeface="宋体" panose="02010600030101010101" pitchFamily="2" charset="-122"/>
+                                <a:cs typeface="Cambria Math" panose="02040503050406030204" charset="0"/>
+                              </a:rPr>
+                            </m:ctrlPr>
+                          </m:sSubPr>
+                          <m:e>
+                            <m:r>
+                              <a:rPr lang="en-US" altLang="zh-CN" i="1" dirty="0">
+                                <a:latin typeface="Cambria Math" panose="02040503050406030204" charset="0"/>
+                                <a:ea typeface="宋体" panose="02010600030101010101" pitchFamily="2" charset="-122"/>
+                                <a:cs typeface="Cambria Math" panose="02040503050406030204" charset="0"/>
+                              </a:rPr>
+                              <m:t>𝑎</m:t>
+                            </m:r>
+                          </m:e>
+                          <m:sub>
+                            <m:r>
+                              <a:rPr lang="en-US" altLang="zh-CN" i="1" dirty="0">
+                                <a:latin typeface="Cambria Math" panose="02040503050406030204" charset="0"/>
+                                <a:ea typeface="宋体" panose="02010600030101010101" pitchFamily="2" charset="-122"/>
+                                <a:cs typeface="Cambria Math" panose="02040503050406030204" charset="0"/>
+                              </a:rPr>
+                              <m:t>𝑖</m:t>
+                            </m:r>
+                          </m:sub>
+                        </m:sSub>
+                        <m:r>
+                          <a:rPr lang="en-US" altLang="zh-CN" i="1" dirty="0">
+                            <a:latin typeface="Cambria Math" panose="02040503050406030204" charset="0"/>
+                            <a:ea typeface="宋体" panose="02010600030101010101" pitchFamily="2" charset="-122"/>
+                            <a:cs typeface="Cambria Math" panose="02040503050406030204" charset="0"/>
+                          </a:rPr>
+                          <m:t>,</m:t>
+                        </m:r>
+                        <m:sSub>
+                          <m:sSubPr>
+                            <m:ctrlPr>
+                              <a:rPr lang="en-US" altLang="zh-CN" i="1" dirty="0">
+                                <a:latin typeface="Cambria Math" panose="02040503050406030204" charset="0"/>
+                                <a:ea typeface="宋体" panose="02010600030101010101" pitchFamily="2" charset="-122"/>
+                                <a:cs typeface="Cambria Math" panose="02040503050406030204" charset="0"/>
+                              </a:rPr>
+                            </m:ctrlPr>
+                          </m:sSubPr>
+                          <m:e>
+                            <m:r>
+                              <a:rPr lang="en-US" altLang="zh-CN" i="1" dirty="0">
+                                <a:latin typeface="Cambria Math" panose="02040503050406030204" charset="0"/>
+                                <a:ea typeface="宋体" panose="02010600030101010101" pitchFamily="2" charset="-122"/>
+                                <a:cs typeface="Cambria Math" panose="02040503050406030204" charset="0"/>
+                              </a:rPr>
+                              <m:t>𝑏</m:t>
+                            </m:r>
+                          </m:e>
+                          <m:sub>
+                            <m:r>
+                              <a:rPr lang="en-US" altLang="zh-CN" i="1" dirty="0">
+                                <a:latin typeface="Cambria Math" panose="02040503050406030204" charset="0"/>
+                                <a:ea typeface="宋体" panose="02010600030101010101" pitchFamily="2" charset="-122"/>
+                                <a:cs typeface="Cambria Math" panose="02040503050406030204" charset="0"/>
+                              </a:rPr>
+                              <m:t>𝑖</m:t>
+                            </m:r>
+                          </m:sub>
+                        </m:sSub>
+                      </m:e>
+                    </m:d>
+                  </m:oMath>
+                </a14:m>
+                <a:r>
+                  <a:rPr lang="zh-CN" altLang="en-US" dirty="0">
+                    <a:latin typeface="Times New Roman" panose="02020603050405020304" pitchFamily="18" charset="0"/>
+                    <a:ea typeface="宋体" panose="02010600030101010101" pitchFamily="2" charset="-122"/>
+                    <a:cs typeface="Times New Roman" panose="02020603050405020304" pitchFamily="18" charset="0"/>
+                  </a:rPr>
+                  <a:t>；第二个分布是先从</a:t>
+                </a:r>
+                <a14:m>
+                  <m:oMath xmlns:m="http://schemas.openxmlformats.org/officeDocument/2006/math">
+                    <m:sSubSup>
+                      <m:sSubSupPr>
+                        <m:ctrlPr>
+                          <a:rPr lang="en-US" altLang="zh-CN" i="1" dirty="0">
+                            <a:latin typeface="Cambria Math" panose="02040503050406030204" charset="0"/>
+                            <a:ea typeface="宋体" panose="02010600030101010101" pitchFamily="2" charset="-122"/>
+                            <a:cs typeface="Cambria Math" panose="02040503050406030204" charset="0"/>
+                          </a:rPr>
+                        </m:ctrlPr>
+                      </m:sSubSupPr>
+                      <m:e>
+                        <m:r>
+                          <a:rPr lang="en-US" altLang="zh-CN" i="1" dirty="0">
+                            <a:latin typeface="Cambria Math" panose="02040503050406030204" charset="0"/>
+                            <a:ea typeface="宋体" panose="02010600030101010101" pitchFamily="2" charset="-122"/>
+                            <a:cs typeface="Cambria Math" panose="02040503050406030204" charset="0"/>
+                          </a:rPr>
+                          <m:t>𝑅</m:t>
+                        </m:r>
+                      </m:e>
+                      <m:sub>
+                        <m:r>
+                          <a:rPr lang="en-US" altLang="zh-CN" i="1" dirty="0">
+                            <a:latin typeface="Cambria Math" panose="02040503050406030204" charset="0"/>
+                            <a:ea typeface="宋体" panose="02010600030101010101" pitchFamily="2" charset="-122"/>
+                            <a:cs typeface="Cambria Math" panose="02040503050406030204" charset="0"/>
+                          </a:rPr>
+                          <m:t>𝑞</m:t>
+                        </m:r>
+                      </m:sub>
+                      <m:sup>
+                        <m:r>
+                          <a:rPr lang="en-US" altLang="zh-CN" i="1" dirty="0">
+                            <a:latin typeface="Cambria Math" panose="02040503050406030204" charset="0"/>
+                            <a:ea typeface="宋体" panose="02010600030101010101" pitchFamily="2" charset="-122"/>
+                            <a:cs typeface="Cambria Math" panose="02040503050406030204" charset="0"/>
+                          </a:rPr>
+                          <m:t>𝑛</m:t>
+                        </m:r>
+                      </m:sup>
+                    </m:sSubSup>
+                  </m:oMath>
+                </a14:m>
+                <a:r>
+                  <a:rPr lang="zh-CN" altLang="en-US" dirty="0">
+                    <a:latin typeface="Times New Roman" panose="02020603050405020304" pitchFamily="18" charset="0"/>
+                    <a:ea typeface="宋体" panose="02010600030101010101" pitchFamily="2" charset="-122"/>
+                    <a:cs typeface="Times New Roman" panose="02020603050405020304" pitchFamily="18" charset="0"/>
+                  </a:rPr>
+                  <a:t>中均匀采样</a:t>
+                </a:r>
+                <a14:m>
+                  <m:oMath xmlns:m="http://schemas.openxmlformats.org/officeDocument/2006/math">
+                    <m:r>
+                      <a:rPr lang="en-US" altLang="zh-CN" i="1" dirty="0">
+                        <a:latin typeface="Cambria Math" panose="02040503050406030204" charset="0"/>
+                        <a:ea typeface="宋体" panose="02010600030101010101" pitchFamily="2" charset="-122"/>
+                        <a:cs typeface="Cambria Math" panose="02040503050406030204" charset="0"/>
+                      </a:rPr>
+                      <m:t>𝑠</m:t>
+                    </m:r>
+                  </m:oMath>
+                </a14:m>
+                <a:r>
+                  <a:rPr lang="zh-CN" altLang="en-US" dirty="0">
+                    <a:latin typeface="Times New Roman" panose="02020603050405020304" pitchFamily="18" charset="0"/>
+                    <a:ea typeface="宋体" panose="02010600030101010101" pitchFamily="2" charset="-122"/>
+                    <a:cs typeface="Times New Roman" panose="02020603050405020304" pitchFamily="18" charset="0"/>
+                  </a:rPr>
+                  <a:t>，然后通过均匀采样</a:t>
+                </a:r>
+                <a14:m>
+                  <m:oMath xmlns:m="http://schemas.openxmlformats.org/officeDocument/2006/math">
+                    <m:sSub>
+                      <m:sSubPr>
+                        <m:ctrlPr>
+                          <a:rPr lang="en-US" altLang="zh-CN" i="1" dirty="0">
+                            <a:latin typeface="Cambria Math" panose="02040503050406030204" charset="0"/>
+                            <a:ea typeface="宋体" panose="02010600030101010101" pitchFamily="2" charset="-122"/>
+                            <a:cs typeface="Cambria Math" panose="02040503050406030204" charset="0"/>
+                          </a:rPr>
+                        </m:ctrlPr>
+                      </m:sSubPr>
+                      <m:e>
+                        <m:r>
+                          <a:rPr lang="en-US" altLang="zh-CN" i="1" dirty="0">
+                            <a:latin typeface="Cambria Math" panose="02040503050406030204" charset="0"/>
+                            <a:ea typeface="宋体" panose="02010600030101010101" pitchFamily="2" charset="-122"/>
+                            <a:cs typeface="Cambria Math" panose="02040503050406030204" charset="0"/>
+                          </a:rPr>
+                          <m:t>𝑎</m:t>
+                        </m:r>
+                      </m:e>
+                      <m:sub>
+                        <m:r>
+                          <a:rPr lang="en-US" altLang="zh-CN" i="1" dirty="0">
+                            <a:latin typeface="Cambria Math" panose="02040503050406030204" charset="0"/>
+                            <a:ea typeface="宋体" panose="02010600030101010101" pitchFamily="2" charset="-122"/>
+                            <a:cs typeface="Cambria Math" panose="02040503050406030204" charset="0"/>
+                          </a:rPr>
+                          <m:t>𝑖</m:t>
+                        </m:r>
+                      </m:sub>
+                    </m:sSub>
+                    <m:r>
+                      <a:rPr lang="en-US" altLang="zh-CN" i="1" dirty="0">
+                        <a:latin typeface="Cambria Math" panose="02040503050406030204" charset="0"/>
+                        <a:ea typeface="宋体" panose="02010600030101010101" pitchFamily="2" charset="-122"/>
+                        <a:cs typeface="Cambria Math" panose="02040503050406030204" charset="0"/>
+                      </a:rPr>
+                      <m:t>←</m:t>
+                    </m:r>
+                    <m:sSubSup>
+                      <m:sSubSupPr>
+                        <m:ctrlPr>
+                          <a:rPr lang="en-US" altLang="zh-CN" i="1" dirty="0">
+                            <a:latin typeface="Cambria Math" panose="02040503050406030204" charset="0"/>
+                            <a:ea typeface="宋体" panose="02010600030101010101" pitchFamily="2" charset="-122"/>
+                            <a:cs typeface="Cambria Math" panose="02040503050406030204" charset="0"/>
+                          </a:rPr>
+                        </m:ctrlPr>
+                      </m:sSubSupPr>
+                      <m:e>
+                        <m:r>
+                          <a:rPr lang="en-US" altLang="zh-CN" i="1" dirty="0">
+                            <a:latin typeface="Cambria Math" panose="02040503050406030204" charset="0"/>
+                            <a:ea typeface="宋体" panose="02010600030101010101" pitchFamily="2" charset="-122"/>
+                            <a:cs typeface="Cambria Math" panose="02040503050406030204" charset="0"/>
+                          </a:rPr>
+                          <m:t>𝑅</m:t>
+                        </m:r>
+                      </m:e>
+                      <m:sub>
+                        <m:r>
+                          <a:rPr lang="en-US" altLang="zh-CN" i="1" dirty="0">
+                            <a:latin typeface="Cambria Math" panose="02040503050406030204" charset="0"/>
+                            <a:ea typeface="宋体" panose="02010600030101010101" pitchFamily="2" charset="-122"/>
+                            <a:cs typeface="Cambria Math" panose="02040503050406030204" charset="0"/>
+                          </a:rPr>
+                          <m:t>𝑞</m:t>
+                        </m:r>
+                      </m:sub>
+                      <m:sup>
+                        <m:r>
+                          <a:rPr lang="en-US" altLang="zh-CN" i="1" dirty="0">
+                            <a:latin typeface="Cambria Math" panose="02040503050406030204" charset="0"/>
+                            <a:ea typeface="宋体" panose="02010600030101010101" pitchFamily="2" charset="-122"/>
+                            <a:cs typeface="Cambria Math" panose="02040503050406030204" charset="0"/>
+                          </a:rPr>
+                          <m:t>𝑛</m:t>
+                        </m:r>
+                      </m:sup>
+                    </m:sSubSup>
+                  </m:oMath>
+                </a14:m>
+                <a:r>
+                  <a:rPr lang="zh-CN" altLang="en-US" dirty="0">
+                    <a:latin typeface="Times New Roman" panose="02020603050405020304" pitchFamily="18" charset="0"/>
+                    <a:ea typeface="宋体" panose="02010600030101010101" pitchFamily="2" charset="-122"/>
+                    <a:cs typeface="Times New Roman" panose="02020603050405020304" pitchFamily="18" charset="0"/>
+                  </a:rPr>
+                  <a:t>、</a:t>
+                </a:r>
+                <a14:m>
+                  <m:oMath xmlns:m="http://schemas.openxmlformats.org/officeDocument/2006/math">
+                    <m:sSub>
+                      <m:sSubPr>
+                        <m:ctrlPr>
+                          <a:rPr lang="en-US" altLang="zh-CN" i="1" dirty="0">
+                            <a:latin typeface="Cambria Math" panose="02040503050406030204" charset="0"/>
+                            <a:ea typeface="宋体" panose="02010600030101010101" pitchFamily="2" charset="-122"/>
+                            <a:cs typeface="Cambria Math" panose="02040503050406030204" charset="0"/>
+                          </a:rPr>
+                        </m:ctrlPr>
+                      </m:sSubPr>
+                      <m:e>
+                        <m:r>
+                          <a:rPr lang="en-US" altLang="zh-CN" i="1" dirty="0">
+                            <a:latin typeface="Cambria Math" panose="02040503050406030204" charset="0"/>
+                            <a:ea typeface="宋体" panose="02010600030101010101" pitchFamily="2" charset="-122"/>
+                            <a:cs typeface="Cambria Math" panose="02040503050406030204" charset="0"/>
+                          </a:rPr>
+                          <m:t>𝑒</m:t>
+                        </m:r>
+                      </m:e>
+                      <m:sub>
+                        <m:r>
+                          <a:rPr lang="en-US" altLang="zh-CN" i="1" dirty="0">
+                            <a:latin typeface="Cambria Math" panose="02040503050406030204" charset="0"/>
+                            <a:ea typeface="宋体" panose="02010600030101010101" pitchFamily="2" charset="-122"/>
+                            <a:cs typeface="Cambria Math" panose="02040503050406030204" charset="0"/>
+                          </a:rPr>
+                          <m:t>𝑖</m:t>
+                        </m:r>
+                      </m:sub>
+                    </m:sSub>
+                    <m:r>
+                      <a:rPr lang="en-US" altLang="zh-CN" i="1" dirty="0">
+                        <a:latin typeface="Cambria Math" panose="02040503050406030204" charset="0"/>
+                        <a:ea typeface="宋体" panose="02010600030101010101" pitchFamily="2" charset="-122"/>
+                        <a:cs typeface="Cambria Math" panose="02040503050406030204" charset="0"/>
+                      </a:rPr>
+                      <m:t>←ℵ</m:t>
+                    </m:r>
+                  </m:oMath>
+                </a14:m>
+                <a:r>
+                  <a:rPr lang="zh-CN" altLang="en-US" dirty="0">
+                    <a:latin typeface="Times New Roman" panose="02020603050405020304" pitchFamily="18" charset="0"/>
+                    <a:ea typeface="宋体" panose="02010600030101010101" pitchFamily="2" charset="-122"/>
+                    <a:cs typeface="Times New Roman" panose="02020603050405020304" pitchFamily="18" charset="0"/>
+                  </a:rPr>
+                  <a:t>，并设置</a:t>
+                </a:r>
+                <a14:m>
+                  <m:oMath xmlns:m="http://schemas.openxmlformats.org/officeDocument/2006/math">
+                    <m:sSub>
+                      <m:sSubPr>
+                        <m:ctrlPr>
+                          <a:rPr lang="en-US" altLang="zh-CN" i="1" dirty="0">
+                            <a:latin typeface="Cambria Math" panose="02040503050406030204" charset="0"/>
+                            <a:ea typeface="宋体" panose="02010600030101010101" pitchFamily="2" charset="-122"/>
+                            <a:cs typeface="Cambria Math" panose="02040503050406030204" charset="0"/>
+                          </a:rPr>
+                        </m:ctrlPr>
+                      </m:sSubPr>
+                      <m:e>
+                        <m:r>
+                          <a:rPr lang="en-US" altLang="zh-CN" i="1" dirty="0">
+                            <a:latin typeface="Cambria Math" panose="02040503050406030204" charset="0"/>
+                            <a:ea typeface="宋体" panose="02010600030101010101" pitchFamily="2" charset="-122"/>
+                            <a:cs typeface="Cambria Math" panose="02040503050406030204" charset="0"/>
+                          </a:rPr>
+                          <m:t>𝑏</m:t>
+                        </m:r>
+                      </m:e>
+                      <m:sub>
+                        <m:r>
+                          <a:rPr lang="en-US" altLang="zh-CN" i="1" dirty="0">
+                            <a:latin typeface="Cambria Math" panose="02040503050406030204" charset="0"/>
+                            <a:ea typeface="宋体" panose="02010600030101010101" pitchFamily="2" charset="-122"/>
+                            <a:cs typeface="Cambria Math" panose="02040503050406030204" charset="0"/>
+                          </a:rPr>
+                          <m:t>𝑖</m:t>
+                        </m:r>
+                      </m:sub>
+                    </m:sSub>
+                    <m:r>
+                      <a:rPr lang="en-US" altLang="zh-CN" i="1" dirty="0">
+                        <a:latin typeface="Cambria Math" panose="02040503050406030204" charset="0"/>
+                        <a:ea typeface="宋体" panose="02010600030101010101" pitchFamily="2" charset="-122"/>
+                        <a:cs typeface="Cambria Math" panose="02040503050406030204" charset="0"/>
+                      </a:rPr>
+                      <m:t>=</m:t>
+                    </m:r>
+                    <m:d>
+                      <m:dPr>
+                        <m:begChr m:val="〈"/>
+                        <m:endChr m:val="〉"/>
+                        <m:ctrlPr>
+                          <a:rPr lang="en-US" altLang="zh-CN" i="1" dirty="0">
+                            <a:latin typeface="Cambria Math" panose="02040503050406030204" charset="0"/>
+                            <a:ea typeface="宋体" panose="02010600030101010101" pitchFamily="2" charset="-122"/>
+                            <a:cs typeface="Cambria Math" panose="02040503050406030204" charset="0"/>
+                          </a:rPr>
+                        </m:ctrlPr>
+                      </m:dPr>
+                      <m:e>
+                        <m:sSub>
+                          <m:sSubPr>
+                            <m:ctrlPr>
+                              <a:rPr lang="en-US" altLang="zh-CN" i="1" dirty="0">
+                                <a:latin typeface="Cambria Math" panose="02040503050406030204" charset="0"/>
+                                <a:ea typeface="宋体" panose="02010600030101010101" pitchFamily="2" charset="-122"/>
+                                <a:cs typeface="Cambria Math" panose="02040503050406030204" charset="0"/>
+                              </a:rPr>
+                            </m:ctrlPr>
+                          </m:sSubPr>
+                          <m:e>
+                            <m:r>
+                              <a:rPr lang="en-US" altLang="zh-CN" i="1" dirty="0">
+                                <a:latin typeface="Cambria Math" panose="02040503050406030204" charset="0"/>
+                                <a:ea typeface="宋体" panose="02010600030101010101" pitchFamily="2" charset="-122"/>
+                                <a:cs typeface="Cambria Math" panose="02040503050406030204" charset="0"/>
+                              </a:rPr>
+                              <m:t>𝑎</m:t>
+                            </m:r>
+                          </m:e>
+                          <m:sub>
+                            <m:r>
+                              <a:rPr lang="en-US" altLang="zh-CN" i="1" dirty="0">
+                                <a:latin typeface="Cambria Math" panose="02040503050406030204" charset="0"/>
+                                <a:ea typeface="宋体" panose="02010600030101010101" pitchFamily="2" charset="-122"/>
+                                <a:cs typeface="Cambria Math" panose="02040503050406030204" charset="0"/>
+                              </a:rPr>
+                              <m:t>𝑖</m:t>
+                            </m:r>
+                          </m:sub>
+                        </m:sSub>
+                        <m:r>
+                          <a:rPr lang="en-US" altLang="zh-CN" i="1" dirty="0">
+                            <a:latin typeface="Cambria Math" panose="02040503050406030204" charset="0"/>
+                            <a:ea typeface="宋体" panose="02010600030101010101" pitchFamily="2" charset="-122"/>
+                            <a:cs typeface="Cambria Math" panose="02040503050406030204" charset="0"/>
+                          </a:rPr>
+                          <m:t>,</m:t>
+                        </m:r>
+                        <m:r>
+                          <a:rPr lang="en-US" altLang="zh-CN" i="1" dirty="0">
+                            <a:latin typeface="Cambria Math" panose="02040503050406030204" charset="0"/>
+                            <a:ea typeface="宋体" panose="02010600030101010101" pitchFamily="2" charset="-122"/>
+                            <a:cs typeface="Cambria Math" panose="02040503050406030204" charset="0"/>
+                          </a:rPr>
+                          <m:t>𝑠</m:t>
+                        </m:r>
+                      </m:e>
+                    </m:d>
+                    <m:r>
+                      <a:rPr lang="en-US" altLang="zh-CN" i="1" dirty="0">
+                        <a:latin typeface="Cambria Math" panose="02040503050406030204" charset="0"/>
+                        <a:ea typeface="宋体" panose="02010600030101010101" pitchFamily="2" charset="-122"/>
+                        <a:cs typeface="Cambria Math" panose="02040503050406030204" charset="0"/>
+                      </a:rPr>
+                      <m:t>+</m:t>
+                    </m:r>
+                    <m:sSub>
+                      <m:sSubPr>
+                        <m:ctrlPr>
+                          <a:rPr lang="en-US" altLang="zh-CN" i="1" dirty="0">
+                            <a:latin typeface="Cambria Math" panose="02040503050406030204" charset="0"/>
+                            <a:ea typeface="宋体" panose="02010600030101010101" pitchFamily="2" charset="-122"/>
+                            <a:cs typeface="Cambria Math" panose="02040503050406030204" charset="0"/>
+                          </a:rPr>
+                        </m:ctrlPr>
+                      </m:sSubPr>
+                      <m:e>
+                        <m:r>
+                          <a:rPr lang="en-US" altLang="zh-CN" i="1" dirty="0">
+                            <a:latin typeface="Cambria Math" panose="02040503050406030204" charset="0"/>
+                            <a:ea typeface="宋体" panose="02010600030101010101" pitchFamily="2" charset="-122"/>
+                            <a:cs typeface="Cambria Math" panose="02040503050406030204" charset="0"/>
+                          </a:rPr>
+                          <m:t>𝑒</m:t>
+                        </m:r>
+                      </m:e>
+                      <m:sub>
+                        <m:r>
+                          <a:rPr lang="en-US" altLang="zh-CN" i="1" dirty="0">
+                            <a:latin typeface="Cambria Math" panose="02040503050406030204" charset="0"/>
+                            <a:ea typeface="宋体" panose="02010600030101010101" pitchFamily="2" charset="-122"/>
+                            <a:cs typeface="Cambria Math" panose="02040503050406030204" charset="0"/>
+                          </a:rPr>
+                          <m:t>𝑖</m:t>
+                        </m:r>
+                      </m:sub>
+                    </m:sSub>
+                  </m:oMath>
+                </a14:m>
+                <a:r>
+                  <a:rPr lang="zh-CN" altLang="en-US" dirty="0">
+                    <a:latin typeface="Times New Roman" panose="02020603050405020304" pitchFamily="18" charset="0"/>
+                    <a:ea typeface="宋体" panose="02010600030101010101" pitchFamily="2" charset="-122"/>
+                    <a:cs typeface="Times New Roman" panose="02020603050405020304" pitchFamily="18" charset="0"/>
+                  </a:rPr>
+                  <a:t>来得到。</a:t>
+                </a:r>
+                <a:endParaRPr lang="en-US" altLang="zh-CN" dirty="0">
+                  <a:latin typeface="Times New Roman" panose="02020603050405020304" pitchFamily="18" charset="0"/>
+                  <a:ea typeface="宋体" panose="02010600030101010101" pitchFamily="2" charset="-122"/>
+                  <a:cs typeface="Times New Roman" panose="02020603050405020304" pitchFamily="18" charset="0"/>
+                </a:endParaRPr>
+              </a:p>
+            </p:txBody>
+          </p:sp>
+        </mc:Choice>
+        <mc:Fallback>
+          <p:sp>
+            <p:nvSpPr>
+              <p:cNvPr id="18" name="文本框 17"/>
+              <p:cNvSpPr txBox="1">
+                <a:spLocks noRot="1" noChangeAspect="1" noMove="1" noResize="1" noEditPoints="1" noAdjustHandles="1" noChangeArrowheads="1" noChangeShapeType="1" noTextEdit="1"/>
+              </p:cNvSpPr>
+              <p:nvPr/>
+            </p:nvSpPr>
+            <p:spPr>
+              <a:xfrm>
+                <a:off x="6218555" y="2675890"/>
+                <a:ext cx="5524500" cy="1263650"/>
+              </a:xfrm>
+              <a:prstGeom prst="rect">
+                <a:avLst/>
+              </a:prstGeom>
+              <a:blipFill rotWithShape="1">
+                <a:blip r:embed="rId5"/>
+                <a:stretch>
+                  <a:fillRect/>
+                </a:stretch>
+              </a:blipFill>
+            </p:spPr>
+            <p:txBody>
+              <a:bodyPr/>
+              <a:lstStyle/>
+              <a:p>
+                <a:r>
+                  <a:rPr lang="zh-CN" altLang="en-US">
+                    <a:noFill/>
+                  </a:rPr>
+                  <a:t> </a:t>
+                </a:r>
+              </a:p>
+            </p:txBody>
+          </p:sp>
+        </mc:Fallback>
+      </mc:AlternateContent>
+      <p:sp>
+        <p:nvSpPr>
+          <p:cNvPr id="19" name="矩形 18"/>
+          <p:cNvSpPr/>
+          <p:nvPr/>
+        </p:nvSpPr>
+        <p:spPr>
+          <a:xfrm>
+            <a:off x="9670415" y="3674745"/>
+            <a:ext cx="2072640" cy="375920"/>
+          </a:xfrm>
+          <a:prstGeom prst="rect">
+            <a:avLst/>
+          </a:prstGeom>
+          <a:noFill/>
+          <a:ln>
+            <a:noFill/>
+          </a:ln>
+        </p:spPr>
+        <p:txBody>
+          <a:bodyPr wrap="none" rtlCol="0" anchor="t">
+            <a:noAutofit/>
+          </a:bodyPr>
+          <a:p>
+            <a:pPr algn="ctr"/>
+            <a:r>
+              <a:rPr lang="zh-CN" altLang="en-US" sz="3200" b="1">
+                <a:ln w="22225">
+                  <a:solidFill>
+                    <a:schemeClr val="accent2"/>
+                  </a:solidFill>
+                  <a:prstDash val="solid"/>
+                </a:ln>
+                <a:solidFill>
+                  <a:schemeClr val="accent2">
+                    <a:lumMod val="40000"/>
+                    <a:lumOff val="60000"/>
+                  </a:schemeClr>
+                </a:solidFill>
+                <a:effectLst/>
+              </a:rPr>
+              <a:t>语义安全！</a:t>
+            </a:r>
+            <a:endParaRPr lang="zh-CN" altLang="en-US" sz="3200" b="1">
+              <a:ln w="22225">
+                <a:solidFill>
+                  <a:schemeClr val="accent2"/>
+                </a:solidFill>
+                <a:prstDash val="solid"/>
+              </a:ln>
+              <a:solidFill>
+                <a:schemeClr val="accent2">
+                  <a:lumMod val="40000"/>
+                  <a:lumOff val="60000"/>
+                </a:schemeClr>
+              </a:solidFill>
+              <a:effectLst/>
+            </a:endParaRPr>
+          </a:p>
+        </p:txBody>
+      </p:sp>
+      <p:sp>
+        <p:nvSpPr>
+          <p:cNvPr id="20" name="下箭头 19"/>
+          <p:cNvSpPr/>
+          <p:nvPr/>
+        </p:nvSpPr>
+        <p:spPr>
+          <a:xfrm>
+            <a:off x="8533130" y="4293870"/>
+            <a:ext cx="539750" cy="467360"/>
+          </a:xfrm>
+          <a:prstGeom prst="downArrow">
+            <a:avLst/>
+          </a:prstGeom>
+        </p:spPr>
+        <p:style>
+          <a:lnRef idx="2">
+            <a:schemeClr val="accent1">
+              <a:lumMod val="75000"/>
+            </a:schemeClr>
+          </a:lnRef>
+          <a:fillRef idx="1">
+            <a:schemeClr val="accent1"/>
+          </a:fillRef>
+          <a:effectRef idx="0">
+            <a:srgbClr val="FFFFFF"/>
+          </a:effectRef>
+          <a:fontRef idx="minor">
+            <a:schemeClr val="lt1"/>
+          </a:fontRef>
+        </p:style>
+        <p:txBody>
+          <a:bodyPr rtlCol="0" anchor="ctr"/>
+          <a:p>
+            <a:pPr algn="ctr"/>
+            <a:endParaRPr lang="zh-CN" altLang="en-US"/>
+          </a:p>
+        </p:txBody>
+      </p:sp>
+      <mc:AlternateContent xmlns:mc="http://schemas.openxmlformats.org/markup-compatibility/2006">
+        <mc:Choice xmlns:a14="http://schemas.microsoft.com/office/drawing/2010/main" Requires="a14">
+          <p:sp>
+            <p:nvSpPr>
+              <p:cNvPr id="21" name="文本框 20"/>
+              <p:cNvSpPr txBox="1"/>
+              <p:nvPr/>
+            </p:nvSpPr>
+            <p:spPr>
+              <a:xfrm>
+                <a:off x="9330690" y="4392930"/>
+                <a:ext cx="1261110" cy="275590"/>
+              </a:xfrm>
+              <a:prstGeom prst="rect">
+                <a:avLst/>
+              </a:prstGeom>
+              <a:noFill/>
+            </p:spPr>
+            <p:txBody>
+              <a:bodyPr wrap="square" rtlCol="0">
+                <a:spAutoFit/>
+              </a:bodyPr>
+              <a:p>
+                <a14:m>
+                  <m:oMath xmlns:m="http://schemas.openxmlformats.org/officeDocument/2006/math">
+                    <m:r>
+                      <a:rPr lang="en-US" altLang="zh-CN" sz="1200" i="1" dirty="0">
+                        <a:latin typeface="Cambria Math" panose="02040503050406030204" charset="0"/>
+                        <a:ea typeface="宋体" panose="02010600030101010101" pitchFamily="2" charset="-122"/>
+                        <a:cs typeface="Cambria Math" panose="02040503050406030204" charset="0"/>
+                      </a:rPr>
+                      <m:t>𝑛</m:t>
+                    </m:r>
+                    <m:r>
+                      <a:rPr lang="en-US" altLang="zh-CN" sz="1200" i="1" dirty="0">
+                        <a:latin typeface="Cambria Math" panose="02040503050406030204" charset="0"/>
+                        <a:ea typeface="宋体" panose="02010600030101010101" pitchFamily="2" charset="-122"/>
+                        <a:cs typeface="Cambria Math" panose="02040503050406030204" charset="0"/>
+                      </a:rPr>
+                      <m:t>=</m:t>
+                    </m:r>
+                    <m:r>
+                      <a:rPr lang="en-US" altLang="zh-CN" sz="1200" i="1" dirty="0">
+                        <a:latin typeface="Cambria Math" panose="02040503050406030204" charset="0"/>
+                        <a:ea typeface="宋体" panose="02010600030101010101" pitchFamily="2" charset="-122"/>
+                        <a:cs typeface="Cambria Math" panose="02040503050406030204" charset="0"/>
+                      </a:rPr>
+                      <m:t>1</m:t>
+                    </m:r>
+                  </m:oMath>
+                </a14:m>
+                <a:r>
+                  <a:rPr lang="zh-CN" altLang="en-US" sz="1200" dirty="0">
+                    <a:latin typeface="Cambria Math" panose="02040503050406030204" charset="0"/>
+                    <a:ea typeface="宋体" panose="02010600030101010101" pitchFamily="2" charset="-122"/>
+                    <a:cs typeface="Cambria Math" panose="02040503050406030204" charset="0"/>
+                  </a:rPr>
+                  <a:t>实例</a:t>
+                </a:r>
+                <a:endParaRPr lang="zh-CN" altLang="en-US" sz="1200" dirty="0">
+                  <a:latin typeface="Cambria Math" panose="02040503050406030204" charset="0"/>
+                  <a:ea typeface="宋体" panose="02010600030101010101" pitchFamily="2" charset="-122"/>
+                  <a:cs typeface="Cambria Math" panose="02040503050406030204" charset="0"/>
+                </a:endParaRPr>
+              </a:p>
+            </p:txBody>
+          </p:sp>
+        </mc:Choice>
+        <mc:Fallback>
+          <p:sp>
+            <p:nvSpPr>
+              <p:cNvPr id="21" name="文本框 20"/>
+              <p:cNvSpPr txBox="1">
+                <a:spLocks noRot="1" noChangeAspect="1" noMove="1" noResize="1" noEditPoints="1" noAdjustHandles="1" noChangeArrowheads="1" noChangeShapeType="1" noTextEdit="1"/>
+              </p:cNvSpPr>
+              <p:nvPr/>
+            </p:nvSpPr>
+            <p:spPr>
+              <a:xfrm>
+                <a:off x="9330690" y="4392930"/>
+                <a:ext cx="1261110" cy="275590"/>
+              </a:xfrm>
+              <a:prstGeom prst="rect">
+                <a:avLst/>
+              </a:prstGeom>
+              <a:blipFill rotWithShape="1">
+                <a:blip r:embed="rId6"/>
+                <a:stretch>
+                  <a:fillRect/>
+                </a:stretch>
+              </a:blipFill>
+            </p:spPr>
+            <p:txBody>
+              <a:bodyPr/>
+              <a:lstStyle/>
+              <a:p>
+                <a:r>
+                  <a:rPr lang="zh-CN" altLang="en-US">
+                    <a:noFill/>
+                  </a:rPr>
+                  <a:t> </a:t>
+                </a:r>
+              </a:p>
+            </p:txBody>
+          </p:sp>
+        </mc:Fallback>
+      </mc:AlternateContent>
+      <p:sp>
+        <p:nvSpPr>
+          <p:cNvPr id="22" name="文本框 21"/>
+          <p:cNvSpPr txBox="1"/>
+          <p:nvPr/>
+        </p:nvSpPr>
+        <p:spPr>
+          <a:xfrm>
+            <a:off x="6313805" y="4907280"/>
+            <a:ext cx="5610860" cy="368300"/>
+          </a:xfrm>
+          <a:prstGeom prst="rect">
+            <a:avLst/>
+          </a:prstGeom>
+          <a:noFill/>
+        </p:spPr>
+        <p:txBody>
+          <a:bodyPr wrap="square" rtlCol="0">
+            <a:spAutoFit/>
+          </a:bodyPr>
+          <a:p>
+            <a:r>
+              <a:rPr lang="en-US" altLang="zh-CN" b="1" dirty="0">
+                <a:latin typeface="Times New Roman" panose="02020603050405020304" pitchFamily="18" charset="0"/>
+                <a:cs typeface="Times New Roman" panose="02020603050405020304" pitchFamily="18" charset="0"/>
+              </a:rPr>
+              <a:t>RLWE</a:t>
+            </a:r>
+            <a:r>
+              <a:rPr lang="zh-CN" altLang="en-US" b="1" dirty="0">
+                <a:latin typeface="Times New Roman" panose="02020603050405020304" pitchFamily="18" charset="0"/>
+                <a:cs typeface="Times New Roman" panose="02020603050405020304" pitchFamily="18" charset="0"/>
+              </a:rPr>
+              <a:t>问题（</a:t>
+            </a:r>
+            <a:r>
+              <a:rPr lang="en-US" altLang="zh-CN" b="1" dirty="0">
+                <a:latin typeface="Times New Roman" panose="02020603050405020304" pitchFamily="18" charset="0"/>
+                <a:cs typeface="Times New Roman" panose="02020603050405020304" pitchFamily="18" charset="0"/>
+              </a:rPr>
+              <a:t>R</a:t>
+            </a:r>
+            <a:r>
+              <a:rPr lang="en-US" altLang="zh-CN" b="1" dirty="0">
+                <a:latin typeface="Times New Roman" panose="02020603050405020304" pitchFamily="18" charset="0"/>
+                <a:cs typeface="Times New Roman" panose="02020603050405020304" pitchFamily="18" charset="0"/>
+              </a:rPr>
+              <a:t>ing Learning with Errors  Problem</a:t>
+            </a:r>
+            <a:r>
+              <a:rPr lang="zh-CN" altLang="en-US" b="1" dirty="0">
+                <a:latin typeface="Times New Roman" panose="02020603050405020304" pitchFamily="18" charset="0"/>
+                <a:cs typeface="Times New Roman" panose="02020603050405020304" pitchFamily="18" charset="0"/>
+              </a:rPr>
+              <a:t>）</a:t>
+            </a:r>
+            <a:endParaRPr lang="en-US" altLang="zh-CN" b="1" dirty="0">
               <a:latin typeface="Times New Roman" panose="02020603050405020304" pitchFamily="18" charset="0"/>
               <a:cs typeface="Times New Roman" panose="02020603050405020304" pitchFamily="18" charset="0"/>
             </a:endParaRPr>
